--- a/Presentation.pptx
+++ b/Presentation.pptx
@@ -111,6 +111,11 @@
       </a:defRPr>
     </a:lvl9pPr>
   </p:defaultTextStyle>
+  <p:extLst>
+    <p:ext uri="{EFAFB233-063F-42B5-8137-9DF3F51BA10A}">
+      <p15:sldGuideLst xmlns:p15="http://schemas.microsoft.com/office/powerpoint/2012/main"/>
+    </p:ext>
+  </p:extLst>
 </p:presentation>
 </file>
 
@@ -156,7 +161,7 @@
           </a:lstStyle>
           <a:p>
             <a:r>
-              <a:rPr lang="en-US" smtClean="0"/>
+              <a:rPr lang="en-US"/>
               <a:t>Click to edit Master title style</a:t>
             </a:r>
             <a:endParaRPr lang="en-US" dirty="0"/>
@@ -276,7 +281,7 @@
           </a:lstStyle>
           <a:p>
             <a:r>
-              <a:rPr lang="en-US" smtClean="0"/>
+              <a:rPr lang="en-US"/>
               <a:t>Click to edit Master subtitle style</a:t>
             </a:r>
             <a:endParaRPr lang="en-US" dirty="0"/>
@@ -300,7 +305,7 @@
           <a:p>
             <a:fld id="{959FB584-3C65-45A7-AA0B-2884D2796DAA}" type="datetimeFigureOut">
               <a:rPr lang="en-US" smtClean="0"/>
-              <a:t>30.03.2023</a:t>
+              <a:t>3/30/23</a:t>
             </a:fld>
             <a:endParaRPr lang="en-US"/>
           </a:p>
@@ -405,7 +410,7 @@
           </a:lstStyle>
           <a:p>
             <a:r>
-              <a:rPr lang="en-US" smtClean="0"/>
+              <a:rPr lang="en-US"/>
               <a:t>Click to edit Master title style</a:t>
             </a:r>
             <a:endParaRPr lang="en-US" dirty="0"/>
@@ -484,7 +489,7 @@
           </a:lstStyle>
           <a:p>
             <a:r>
-              <a:rPr lang="en-US" smtClean="0"/>
+              <a:rPr lang="en-US"/>
               <a:t>Click icon to add picture</a:t>
             </a:r>
             <a:endParaRPr lang="en-US" dirty="0"/>
@@ -552,7 +557,7 @@
           <a:p>
             <a:pPr lvl="0"/>
             <a:r>
-              <a:rPr lang="en-US" smtClean="0"/>
+              <a:rPr lang="en-US"/>
               <a:t>Edit Master text styles</a:t>
             </a:r>
           </a:p>
@@ -575,7 +580,7 @@
           <a:p>
             <a:fld id="{959FB584-3C65-45A7-AA0B-2884D2796DAA}" type="datetimeFigureOut">
               <a:rPr lang="en-US" smtClean="0"/>
-              <a:t>30.03.2023</a:t>
+              <a:t>3/30/23</a:t>
             </a:fld>
             <a:endParaRPr lang="en-US"/>
           </a:p>
@@ -678,7 +683,7 @@
           </a:lstStyle>
           <a:p>
             <a:r>
-              <a:rPr lang="en-US" smtClean="0"/>
+              <a:rPr lang="en-US"/>
               <a:t>Click to edit Master title style</a:t>
             </a:r>
             <a:endParaRPr lang="en-US" dirty="0"/>
@@ -746,7 +751,7 @@
           <a:p>
             <a:pPr lvl="0"/>
             <a:r>
-              <a:rPr lang="en-US" smtClean="0"/>
+              <a:rPr lang="en-US"/>
               <a:t>Edit Master text styles</a:t>
             </a:r>
           </a:p>
@@ -769,7 +774,7 @@
           <a:p>
             <a:fld id="{959FB584-3C65-45A7-AA0B-2884D2796DAA}" type="datetimeFigureOut">
               <a:rPr lang="en-US" smtClean="0"/>
-              <a:t>30.03.2023</a:t>
+              <a:t>3/30/23</a:t>
             </a:fld>
             <a:endParaRPr lang="en-US"/>
           </a:p>
@@ -872,7 +877,7 @@
           </a:lstStyle>
           <a:p>
             <a:r>
-              <a:rPr lang="en-US" smtClean="0"/>
+              <a:rPr lang="en-US"/>
               <a:t>Click to edit Master title style</a:t>
             </a:r>
             <a:endParaRPr lang="en-US" dirty="0"/>
@@ -952,7 +957,7 @@
               <a:buNone/>
             </a:pPr>
             <a:r>
-              <a:rPr lang="en-US" smtClean="0"/>
+              <a:rPr lang="en-US"/>
               <a:t>Edit Master text styles</a:t>
             </a:r>
           </a:p>
@@ -1019,7 +1024,7 @@
           <a:p>
             <a:pPr lvl="0"/>
             <a:r>
-              <a:rPr lang="en-US" smtClean="0"/>
+              <a:rPr lang="en-US"/>
               <a:t>Edit Master text styles</a:t>
             </a:r>
           </a:p>
@@ -1042,7 +1047,7 @@
           <a:p>
             <a:fld id="{959FB584-3C65-45A7-AA0B-2884D2796DAA}" type="datetimeFigureOut">
               <a:rPr lang="en-US" smtClean="0"/>
-              <a:t>30.03.2023</a:t>
+              <a:t>3/30/23</a:t>
             </a:fld>
             <a:endParaRPr lang="en-US"/>
           </a:p>
@@ -1239,7 +1244,7 @@
           </a:lstStyle>
           <a:p>
             <a:r>
-              <a:rPr lang="en-US" smtClean="0"/>
+              <a:rPr lang="en-US"/>
               <a:t>Click to edit Master title style</a:t>
             </a:r>
             <a:endParaRPr lang="en-US" dirty="0"/>
@@ -1360,7 +1365,7 @@
           <a:p>
             <a:pPr lvl="0"/>
             <a:r>
-              <a:rPr lang="en-US" smtClean="0"/>
+              <a:rPr lang="en-US"/>
               <a:t>Edit Master text styles</a:t>
             </a:r>
           </a:p>
@@ -1383,7 +1388,7 @@
           <a:p>
             <a:fld id="{959FB584-3C65-45A7-AA0B-2884D2796DAA}" type="datetimeFigureOut">
               <a:rPr lang="en-US" smtClean="0"/>
-              <a:t>30.03.2023</a:t>
+              <a:t>3/30/23</a:t>
             </a:fld>
             <a:endParaRPr lang="en-US"/>
           </a:p>
@@ -1481,7 +1486,7 @@
           </a:lstStyle>
           <a:p>
             <a:r>
-              <a:rPr lang="en-US" smtClean="0"/>
+              <a:rPr lang="en-US"/>
               <a:t>Click to edit Master title style</a:t>
             </a:r>
             <a:endParaRPr lang="en-US" dirty="0"/>
@@ -1556,7 +1561,7 @@
           <a:p>
             <a:pPr lvl="0"/>
             <a:r>
-              <a:rPr lang="en-US" smtClean="0"/>
+              <a:rPr lang="en-US"/>
               <a:t>Edit Master text styles</a:t>
             </a:r>
           </a:p>
@@ -1623,7 +1628,7 @@
           <a:p>
             <a:pPr lvl="0"/>
             <a:r>
-              <a:rPr lang="en-US" smtClean="0"/>
+              <a:rPr lang="en-US"/>
               <a:t>Edit Master text styles</a:t>
             </a:r>
           </a:p>
@@ -1697,7 +1702,7 @@
           <a:p>
             <a:pPr lvl="0"/>
             <a:r>
-              <a:rPr lang="en-US" smtClean="0"/>
+              <a:rPr lang="en-US"/>
               <a:t>Edit Master text styles</a:t>
             </a:r>
           </a:p>
@@ -1764,7 +1769,7 @@
           <a:p>
             <a:pPr lvl="0"/>
             <a:r>
-              <a:rPr lang="en-US" smtClean="0"/>
+              <a:rPr lang="en-US"/>
               <a:t>Edit Master text styles</a:t>
             </a:r>
           </a:p>
@@ -1838,7 +1843,7 @@
           <a:p>
             <a:pPr lvl="0"/>
             <a:r>
-              <a:rPr lang="en-US" smtClean="0"/>
+              <a:rPr lang="en-US"/>
               <a:t>Edit Master text styles</a:t>
             </a:r>
           </a:p>
@@ -1905,7 +1910,7 @@
           <a:p>
             <a:pPr lvl="0"/>
             <a:r>
-              <a:rPr lang="en-US" smtClean="0"/>
+              <a:rPr lang="en-US"/>
               <a:t>Edit Master text styles</a:t>
             </a:r>
           </a:p>
@@ -2006,7 +2011,7 @@
           <a:p>
             <a:fld id="{959FB584-3C65-45A7-AA0B-2884D2796DAA}" type="datetimeFigureOut">
               <a:rPr lang="en-US" smtClean="0"/>
-              <a:t>30.03.2023</a:t>
+              <a:t>3/30/23</a:t>
             </a:fld>
             <a:endParaRPr lang="en-US"/>
           </a:p>
@@ -2104,7 +2109,7 @@
           </a:lstStyle>
           <a:p>
             <a:r>
-              <a:rPr lang="en-US" smtClean="0"/>
+              <a:rPr lang="en-US"/>
               <a:t>Click to edit Master title style</a:t>
             </a:r>
             <a:endParaRPr lang="en-US" dirty="0"/>
@@ -2179,7 +2184,7 @@
           <a:p>
             <a:pPr lvl="0"/>
             <a:r>
-              <a:rPr lang="en-US" smtClean="0"/>
+              <a:rPr lang="en-US"/>
               <a:t>Edit Master text styles</a:t>
             </a:r>
           </a:p>
@@ -2257,7 +2262,7 @@
           </a:lstStyle>
           <a:p>
             <a:r>
-              <a:rPr lang="en-US" smtClean="0"/>
+              <a:rPr lang="en-US"/>
               <a:t>Click icon to add picture</a:t>
             </a:r>
             <a:endParaRPr lang="en-US" dirty="0"/>
@@ -2325,7 +2330,7 @@
           <a:p>
             <a:pPr lvl="0"/>
             <a:r>
-              <a:rPr lang="en-US" smtClean="0"/>
+              <a:rPr lang="en-US"/>
               <a:t>Edit Master text styles</a:t>
             </a:r>
           </a:p>
@@ -2399,7 +2404,7 @@
           <a:p>
             <a:pPr lvl="0"/>
             <a:r>
-              <a:rPr lang="en-US" smtClean="0"/>
+              <a:rPr lang="en-US"/>
               <a:t>Edit Master text styles</a:t>
             </a:r>
           </a:p>
@@ -2477,7 +2482,7 @@
           </a:lstStyle>
           <a:p>
             <a:r>
-              <a:rPr lang="en-US" smtClean="0"/>
+              <a:rPr lang="en-US"/>
               <a:t>Click icon to add picture</a:t>
             </a:r>
             <a:endParaRPr lang="en-US" dirty="0"/>
@@ -2545,7 +2550,7 @@
           <a:p>
             <a:pPr lvl="0"/>
             <a:r>
-              <a:rPr lang="en-US" smtClean="0"/>
+              <a:rPr lang="en-US"/>
               <a:t>Edit Master text styles</a:t>
             </a:r>
           </a:p>
@@ -2619,7 +2624,7 @@
           <a:p>
             <a:pPr lvl="0"/>
             <a:r>
-              <a:rPr lang="en-US" smtClean="0"/>
+              <a:rPr lang="en-US"/>
               <a:t>Edit Master text styles</a:t>
             </a:r>
           </a:p>
@@ -2697,7 +2702,7 @@
           </a:lstStyle>
           <a:p>
             <a:r>
-              <a:rPr lang="en-US" smtClean="0"/>
+              <a:rPr lang="en-US"/>
               <a:t>Click icon to add picture</a:t>
             </a:r>
             <a:endParaRPr lang="en-US" dirty="0"/>
@@ -2765,7 +2770,7 @@
           <a:p>
             <a:pPr lvl="0"/>
             <a:r>
-              <a:rPr lang="en-US" smtClean="0"/>
+              <a:rPr lang="en-US"/>
               <a:t>Edit Master text styles</a:t>
             </a:r>
           </a:p>
@@ -2866,7 +2871,7 @@
           <a:p>
             <a:fld id="{959FB584-3C65-45A7-AA0B-2884D2796DAA}" type="datetimeFigureOut">
               <a:rPr lang="en-US" smtClean="0"/>
-              <a:t>30.03.2023</a:t>
+              <a:t>3/30/23</a:t>
             </a:fld>
             <a:endParaRPr lang="en-US"/>
           </a:p>
@@ -2960,7 +2965,7 @@
           <a:lstStyle/>
           <a:p>
             <a:r>
-              <a:rPr lang="en-US" smtClean="0"/>
+              <a:rPr lang="en-US"/>
               <a:t>Click to edit Master title style</a:t>
             </a:r>
             <a:endParaRPr lang="en-US" dirty="0"/>
@@ -2984,35 +2989,35 @@
           <a:p>
             <a:pPr lvl="0"/>
             <a:r>
-              <a:rPr lang="en-US" smtClean="0"/>
+              <a:rPr lang="en-US"/>
               <a:t>Edit Master text styles</a:t>
             </a:r>
           </a:p>
           <a:p>
             <a:pPr lvl="1"/>
             <a:r>
-              <a:rPr lang="en-US" smtClean="0"/>
+              <a:rPr lang="en-US"/>
               <a:t>Second level</a:t>
             </a:r>
           </a:p>
           <a:p>
             <a:pPr lvl="2"/>
             <a:r>
-              <a:rPr lang="en-US" smtClean="0"/>
+              <a:rPr lang="en-US"/>
               <a:t>Third level</a:t>
             </a:r>
           </a:p>
           <a:p>
             <a:pPr lvl="3"/>
             <a:r>
-              <a:rPr lang="en-US" smtClean="0"/>
+              <a:rPr lang="en-US"/>
               <a:t>Fourth level</a:t>
             </a:r>
           </a:p>
           <a:p>
             <a:pPr lvl="4"/>
             <a:r>
-              <a:rPr lang="en-US" smtClean="0"/>
+              <a:rPr lang="en-US"/>
               <a:t>Fifth level</a:t>
             </a:r>
             <a:endParaRPr lang="en-US" dirty="0"/>
@@ -3036,7 +3041,7 @@
           <a:p>
             <a:fld id="{959FB584-3C65-45A7-AA0B-2884D2796DAA}" type="datetimeFigureOut">
               <a:rPr lang="en-US" smtClean="0"/>
-              <a:t>30.03.2023</a:t>
+              <a:t>3/30/23</a:t>
             </a:fld>
             <a:endParaRPr lang="en-US"/>
           </a:p>
@@ -3135,7 +3140,7 @@
           <a:lstStyle/>
           <a:p>
             <a:r>
-              <a:rPr lang="en-US" smtClean="0"/>
+              <a:rPr lang="en-US"/>
               <a:t>Click to edit Master title style</a:t>
             </a:r>
             <a:endParaRPr lang="en-US" dirty="0"/>
@@ -3164,35 +3169,35 @@
           <a:p>
             <a:pPr lvl="0"/>
             <a:r>
-              <a:rPr lang="en-US" smtClean="0"/>
+              <a:rPr lang="en-US"/>
               <a:t>Edit Master text styles</a:t>
             </a:r>
           </a:p>
           <a:p>
             <a:pPr lvl="1"/>
             <a:r>
-              <a:rPr lang="en-US" smtClean="0"/>
+              <a:rPr lang="en-US"/>
               <a:t>Second level</a:t>
             </a:r>
           </a:p>
           <a:p>
             <a:pPr lvl="2"/>
             <a:r>
-              <a:rPr lang="en-US" smtClean="0"/>
+              <a:rPr lang="en-US"/>
               <a:t>Third level</a:t>
             </a:r>
           </a:p>
           <a:p>
             <a:pPr lvl="3"/>
             <a:r>
-              <a:rPr lang="en-US" smtClean="0"/>
+              <a:rPr lang="en-US"/>
               <a:t>Fourth level</a:t>
             </a:r>
           </a:p>
           <a:p>
             <a:pPr lvl="4"/>
             <a:r>
-              <a:rPr lang="en-US" smtClean="0"/>
+              <a:rPr lang="en-US"/>
               <a:t>Fifth level</a:t>
             </a:r>
             <a:endParaRPr lang="en-US" dirty="0"/>
@@ -3216,7 +3221,7 @@
           <a:p>
             <a:fld id="{959FB584-3C65-45A7-AA0B-2884D2796DAA}" type="datetimeFigureOut">
               <a:rPr lang="en-US" smtClean="0"/>
-              <a:t>30.03.2023</a:t>
+              <a:t>3/30/23</a:t>
             </a:fld>
             <a:endParaRPr lang="en-US"/>
           </a:p>
@@ -3310,7 +3315,7 @@
           <a:lstStyle/>
           <a:p>
             <a:r>
-              <a:rPr lang="en-US" smtClean="0"/>
+              <a:rPr lang="en-US"/>
               <a:t>Click to edit Master title style</a:t>
             </a:r>
             <a:endParaRPr lang="en-US" dirty="0"/>
@@ -3334,35 +3339,35 @@
           <a:p>
             <a:pPr lvl="0"/>
             <a:r>
-              <a:rPr lang="en-US" smtClean="0"/>
+              <a:rPr lang="en-US"/>
               <a:t>Edit Master text styles</a:t>
             </a:r>
           </a:p>
           <a:p>
             <a:pPr lvl="1"/>
             <a:r>
-              <a:rPr lang="en-US" smtClean="0"/>
+              <a:rPr lang="en-US"/>
               <a:t>Second level</a:t>
             </a:r>
           </a:p>
           <a:p>
             <a:pPr lvl="2"/>
             <a:r>
-              <a:rPr lang="en-US" smtClean="0"/>
+              <a:rPr lang="en-US"/>
               <a:t>Third level</a:t>
             </a:r>
           </a:p>
           <a:p>
             <a:pPr lvl="3"/>
             <a:r>
-              <a:rPr lang="en-US" smtClean="0"/>
+              <a:rPr lang="en-US"/>
               <a:t>Fourth level</a:t>
             </a:r>
           </a:p>
           <a:p>
             <a:pPr lvl="4"/>
             <a:r>
-              <a:rPr lang="en-US" smtClean="0"/>
+              <a:rPr lang="en-US"/>
               <a:t>Fifth level</a:t>
             </a:r>
             <a:endParaRPr lang="en-US" dirty="0"/>
@@ -3386,7 +3391,7 @@
           <a:p>
             <a:fld id="{959FB584-3C65-45A7-AA0B-2884D2796DAA}" type="datetimeFigureOut">
               <a:rPr lang="en-US" smtClean="0"/>
-              <a:t>30.03.2023</a:t>
+              <a:t>3/30/23</a:t>
             </a:fld>
             <a:endParaRPr lang="en-US"/>
           </a:p>
@@ -3489,7 +3494,7 @@
           </a:lstStyle>
           <a:p>
             <a:r>
-              <a:rPr lang="en-US" smtClean="0"/>
+              <a:rPr lang="en-US"/>
               <a:t>Click to edit Master title style</a:t>
             </a:r>
             <a:endParaRPr lang="en-US" dirty="0"/>
@@ -3610,7 +3615,7 @@
           <a:p>
             <a:pPr lvl="0"/>
             <a:r>
-              <a:rPr lang="en-US" smtClean="0"/>
+              <a:rPr lang="en-US"/>
               <a:t>Edit Master text styles</a:t>
             </a:r>
           </a:p>
@@ -3633,7 +3638,7 @@
           <a:p>
             <a:fld id="{959FB584-3C65-45A7-AA0B-2884D2796DAA}" type="datetimeFigureOut">
               <a:rPr lang="en-US" smtClean="0"/>
-              <a:t>30.03.2023</a:t>
+              <a:t>3/30/23</a:t>
             </a:fld>
             <a:endParaRPr lang="en-US"/>
           </a:p>
@@ -3727,7 +3732,7 @@
           <a:lstStyle/>
           <a:p>
             <a:r>
-              <a:rPr lang="en-US" smtClean="0"/>
+              <a:rPr lang="en-US"/>
               <a:t>Click to edit Master title style</a:t>
             </a:r>
             <a:endParaRPr lang="en-US" dirty="0"/>
@@ -3786,35 +3791,35 @@
           <a:p>
             <a:pPr lvl="0"/>
             <a:r>
-              <a:rPr lang="en-US" smtClean="0"/>
+              <a:rPr lang="en-US"/>
               <a:t>Edit Master text styles</a:t>
             </a:r>
           </a:p>
           <a:p>
             <a:pPr lvl="1"/>
             <a:r>
-              <a:rPr lang="en-US" smtClean="0"/>
+              <a:rPr lang="en-US"/>
               <a:t>Second level</a:t>
             </a:r>
           </a:p>
           <a:p>
             <a:pPr lvl="2"/>
             <a:r>
-              <a:rPr lang="en-US" smtClean="0"/>
+              <a:rPr lang="en-US"/>
               <a:t>Third level</a:t>
             </a:r>
           </a:p>
           <a:p>
             <a:pPr lvl="3"/>
             <a:r>
-              <a:rPr lang="en-US" smtClean="0"/>
+              <a:rPr lang="en-US"/>
               <a:t>Fourth level</a:t>
             </a:r>
           </a:p>
           <a:p>
             <a:pPr lvl="4"/>
             <a:r>
-              <a:rPr lang="en-US" smtClean="0"/>
+              <a:rPr lang="en-US"/>
               <a:t>Fifth level</a:t>
             </a:r>
             <a:endParaRPr lang="en-US" dirty="0"/>
@@ -3873,35 +3878,35 @@
           <a:p>
             <a:pPr lvl="0"/>
             <a:r>
-              <a:rPr lang="en-US" smtClean="0"/>
+              <a:rPr lang="en-US"/>
               <a:t>Edit Master text styles</a:t>
             </a:r>
           </a:p>
           <a:p>
             <a:pPr lvl="1"/>
             <a:r>
-              <a:rPr lang="en-US" smtClean="0"/>
+              <a:rPr lang="en-US"/>
               <a:t>Second level</a:t>
             </a:r>
           </a:p>
           <a:p>
             <a:pPr lvl="2"/>
             <a:r>
-              <a:rPr lang="en-US" smtClean="0"/>
+              <a:rPr lang="en-US"/>
               <a:t>Third level</a:t>
             </a:r>
           </a:p>
           <a:p>
             <a:pPr lvl="3"/>
             <a:r>
-              <a:rPr lang="en-US" smtClean="0"/>
+              <a:rPr lang="en-US"/>
               <a:t>Fourth level</a:t>
             </a:r>
           </a:p>
           <a:p>
             <a:pPr lvl="4"/>
             <a:r>
-              <a:rPr lang="en-US" smtClean="0"/>
+              <a:rPr lang="en-US"/>
               <a:t>Fifth level</a:t>
             </a:r>
             <a:endParaRPr lang="en-US" dirty="0"/>
@@ -3925,7 +3930,7 @@
           <a:p>
             <a:fld id="{959FB584-3C65-45A7-AA0B-2884D2796DAA}" type="datetimeFigureOut">
               <a:rPr lang="en-US" smtClean="0"/>
-              <a:t>30.03.2023</a:t>
+              <a:t>3/30/23</a:t>
             </a:fld>
             <a:endParaRPr lang="en-US"/>
           </a:p>
@@ -4023,7 +4028,7 @@
           </a:lstStyle>
           <a:p>
             <a:r>
-              <a:rPr lang="en-US" smtClean="0"/>
+              <a:rPr lang="en-US"/>
               <a:t>Click to edit Master title style</a:t>
             </a:r>
             <a:endParaRPr lang="en-US" dirty="0"/>
@@ -4098,7 +4103,7 @@
           <a:p>
             <a:pPr lvl="0"/>
             <a:r>
-              <a:rPr lang="en-US" smtClean="0"/>
+              <a:rPr lang="en-US"/>
               <a:t>Edit Master text styles</a:t>
             </a:r>
           </a:p>
@@ -4156,35 +4161,35 @@
           <a:p>
             <a:pPr lvl="0"/>
             <a:r>
-              <a:rPr lang="en-US" smtClean="0"/>
+              <a:rPr lang="en-US"/>
               <a:t>Edit Master text styles</a:t>
             </a:r>
           </a:p>
           <a:p>
             <a:pPr lvl="1"/>
             <a:r>
-              <a:rPr lang="en-US" smtClean="0"/>
+              <a:rPr lang="en-US"/>
               <a:t>Second level</a:t>
             </a:r>
           </a:p>
           <a:p>
             <a:pPr lvl="2"/>
             <a:r>
-              <a:rPr lang="en-US" smtClean="0"/>
+              <a:rPr lang="en-US"/>
               <a:t>Third level</a:t>
             </a:r>
           </a:p>
           <a:p>
             <a:pPr lvl="3"/>
             <a:r>
-              <a:rPr lang="en-US" smtClean="0"/>
+              <a:rPr lang="en-US"/>
               <a:t>Fourth level</a:t>
             </a:r>
           </a:p>
           <a:p>
             <a:pPr lvl="4"/>
             <a:r>
-              <a:rPr lang="en-US" smtClean="0"/>
+              <a:rPr lang="en-US"/>
               <a:t>Fifth level</a:t>
             </a:r>
             <a:endParaRPr lang="en-US" dirty="0"/>
@@ -4259,7 +4264,7 @@
           <a:p>
             <a:pPr lvl="0"/>
             <a:r>
-              <a:rPr lang="en-US" smtClean="0"/>
+              <a:rPr lang="en-US"/>
               <a:t>Edit Master text styles</a:t>
             </a:r>
           </a:p>
@@ -4317,35 +4322,35 @@
           <a:p>
             <a:pPr lvl="0"/>
             <a:r>
-              <a:rPr lang="en-US" smtClean="0"/>
+              <a:rPr lang="en-US"/>
               <a:t>Edit Master text styles</a:t>
             </a:r>
           </a:p>
           <a:p>
             <a:pPr lvl="1"/>
             <a:r>
-              <a:rPr lang="en-US" smtClean="0"/>
+              <a:rPr lang="en-US"/>
               <a:t>Second level</a:t>
             </a:r>
           </a:p>
           <a:p>
             <a:pPr lvl="2"/>
             <a:r>
-              <a:rPr lang="en-US" smtClean="0"/>
+              <a:rPr lang="en-US"/>
               <a:t>Third level</a:t>
             </a:r>
           </a:p>
           <a:p>
             <a:pPr lvl="3"/>
             <a:r>
-              <a:rPr lang="en-US" smtClean="0"/>
+              <a:rPr lang="en-US"/>
               <a:t>Fourth level</a:t>
             </a:r>
           </a:p>
           <a:p>
             <a:pPr lvl="4"/>
             <a:r>
-              <a:rPr lang="en-US" smtClean="0"/>
+              <a:rPr lang="en-US"/>
               <a:t>Fifth level</a:t>
             </a:r>
             <a:endParaRPr lang="en-US" dirty="0"/>
@@ -4369,7 +4374,7 @@
           <a:p>
             <a:fld id="{959FB584-3C65-45A7-AA0B-2884D2796DAA}" type="datetimeFigureOut">
               <a:rPr lang="en-US" smtClean="0"/>
-              <a:t>30.03.2023</a:t>
+              <a:t>3/30/23</a:t>
             </a:fld>
             <a:endParaRPr lang="en-US"/>
           </a:p>
@@ -4463,7 +4468,7 @@
           <a:lstStyle/>
           <a:p>
             <a:r>
-              <a:rPr lang="en-US" smtClean="0"/>
+              <a:rPr lang="en-US"/>
               <a:t>Click to edit Master title style</a:t>
             </a:r>
             <a:endParaRPr lang="en-US" dirty="0"/>
@@ -4487,7 +4492,7 @@
           <a:p>
             <a:fld id="{959FB584-3C65-45A7-AA0B-2884D2796DAA}" type="datetimeFigureOut">
               <a:rPr lang="en-US" smtClean="0"/>
-              <a:t>30.03.2023</a:t>
+              <a:t>3/30/23</a:t>
             </a:fld>
             <a:endParaRPr lang="en-US"/>
           </a:p>
@@ -4582,7 +4587,7 @@
           <a:p>
             <a:fld id="{959FB584-3C65-45A7-AA0B-2884D2796DAA}" type="datetimeFigureOut">
               <a:rPr lang="en-US" smtClean="0"/>
-              <a:t>30.03.2023</a:t>
+              <a:t>3/30/23</a:t>
             </a:fld>
             <a:endParaRPr lang="en-US"/>
           </a:p>
@@ -4685,7 +4690,7 @@
           </a:lstStyle>
           <a:p>
             <a:r>
-              <a:rPr lang="en-US" smtClean="0"/>
+              <a:rPr lang="en-US"/>
               <a:t>Click to edit Master title style</a:t>
             </a:r>
             <a:endParaRPr lang="en-US" dirty="0"/>
@@ -4744,35 +4749,35 @@
           <a:p>
             <a:pPr lvl="0"/>
             <a:r>
-              <a:rPr lang="en-US" smtClean="0"/>
+              <a:rPr lang="en-US"/>
               <a:t>Edit Master text styles</a:t>
             </a:r>
           </a:p>
           <a:p>
             <a:pPr lvl="1"/>
             <a:r>
-              <a:rPr lang="en-US" smtClean="0"/>
+              <a:rPr lang="en-US"/>
               <a:t>Second level</a:t>
             </a:r>
           </a:p>
           <a:p>
             <a:pPr lvl="2"/>
             <a:r>
-              <a:rPr lang="en-US" smtClean="0"/>
+              <a:rPr lang="en-US"/>
               <a:t>Third level</a:t>
             </a:r>
           </a:p>
           <a:p>
             <a:pPr lvl="3"/>
             <a:r>
-              <a:rPr lang="en-US" smtClean="0"/>
+              <a:rPr lang="en-US"/>
               <a:t>Fourth level</a:t>
             </a:r>
           </a:p>
           <a:p>
             <a:pPr lvl="4"/>
             <a:r>
-              <a:rPr lang="en-US" smtClean="0"/>
+              <a:rPr lang="en-US"/>
               <a:t>Fifth level</a:t>
             </a:r>
             <a:endParaRPr lang="en-US" dirty="0"/>
@@ -4838,7 +4843,7 @@
           <a:p>
             <a:pPr lvl="0"/>
             <a:r>
-              <a:rPr lang="en-US" smtClean="0"/>
+              <a:rPr lang="en-US"/>
               <a:t>Edit Master text styles</a:t>
             </a:r>
           </a:p>
@@ -4861,7 +4866,7 @@
           <a:p>
             <a:fld id="{959FB584-3C65-45A7-AA0B-2884D2796DAA}" type="datetimeFigureOut">
               <a:rPr lang="en-US" smtClean="0"/>
-              <a:t>30.03.2023</a:t>
+              <a:t>3/30/23</a:t>
             </a:fld>
             <a:endParaRPr lang="en-US"/>
           </a:p>
@@ -4966,7 +4971,7 @@
           </a:lstStyle>
           <a:p>
             <a:r>
-              <a:rPr lang="en-US" smtClean="0"/>
+              <a:rPr lang="en-US"/>
               <a:t>Click to edit Master title style</a:t>
             </a:r>
             <a:endParaRPr lang="en-US" dirty="0"/>
@@ -5045,7 +5050,7 @@
           </a:lstStyle>
           <a:p>
             <a:r>
-              <a:rPr lang="en-US" smtClean="0"/>
+              <a:rPr lang="en-US"/>
               <a:t>Click icon to add picture</a:t>
             </a:r>
             <a:endParaRPr lang="en-US" dirty="0"/>
@@ -5113,7 +5118,7 @@
           <a:p>
             <a:pPr lvl="0"/>
             <a:r>
-              <a:rPr lang="en-US" smtClean="0"/>
+              <a:rPr lang="en-US"/>
               <a:t>Edit Master text styles</a:t>
             </a:r>
           </a:p>
@@ -5136,7 +5141,7 @@
           <a:p>
             <a:fld id="{959FB584-3C65-45A7-AA0B-2884D2796DAA}" type="datetimeFigureOut">
               <a:rPr lang="en-US" smtClean="0"/>
-              <a:t>30.03.2023</a:t>
+              <a:t>3/30/23</a:t>
             </a:fld>
             <a:endParaRPr lang="en-US"/>
           </a:p>
@@ -5460,7 +5465,7 @@
           <a:lstStyle/>
           <a:p>
             <a:r>
-              <a:rPr lang="en-US" smtClean="0"/>
+              <a:rPr lang="en-US"/>
               <a:t>Click to edit Master title style</a:t>
             </a:r>
             <a:endParaRPr lang="en-US" dirty="0"/>
@@ -5494,35 +5499,35 @@
           <a:p>
             <a:pPr lvl="0"/>
             <a:r>
-              <a:rPr lang="en-US" smtClean="0"/>
+              <a:rPr lang="en-US"/>
               <a:t>Edit Master text styles</a:t>
             </a:r>
           </a:p>
           <a:p>
             <a:pPr lvl="1"/>
             <a:r>
-              <a:rPr lang="en-US" smtClean="0"/>
+              <a:rPr lang="en-US"/>
               <a:t>Second level</a:t>
             </a:r>
           </a:p>
           <a:p>
             <a:pPr lvl="2"/>
             <a:r>
-              <a:rPr lang="en-US" smtClean="0"/>
+              <a:rPr lang="en-US"/>
               <a:t>Third level</a:t>
             </a:r>
           </a:p>
           <a:p>
             <a:pPr lvl="3"/>
             <a:r>
-              <a:rPr lang="en-US" smtClean="0"/>
+              <a:rPr lang="en-US"/>
               <a:t>Fourth level</a:t>
             </a:r>
           </a:p>
           <a:p>
             <a:pPr lvl="4"/>
             <a:r>
-              <a:rPr lang="en-US" smtClean="0"/>
+              <a:rPr lang="en-US"/>
               <a:t>Fifth level</a:t>
             </a:r>
             <a:endParaRPr lang="en-US" dirty="0"/>
@@ -5565,7 +5570,7 @@
           <a:p>
             <a:fld id="{959FB584-3C65-45A7-AA0B-2884D2796DAA}" type="datetimeFigureOut">
               <a:rPr lang="en-US" smtClean="0"/>
-              <a:t>30.03.2023</a:t>
+              <a:t>3/30/23</a:t>
             </a:fld>
             <a:endParaRPr lang="en-US"/>
           </a:p>
@@ -6158,7 +6163,7 @@
           <a:p>
             <a:pPr algn="ctr"/>
             <a:r>
-              <a:rPr lang="en-US" sz="5400" dirty="0" smtClean="0"/>
+              <a:rPr lang="en-US" sz="5400" dirty="0"/>
               <a:t>3D Snake Game</a:t>
             </a:r>
           </a:p>
@@ -6166,61 +6171,49 @@
             <a:endParaRPr lang="en-US" dirty="0"/>
           </a:p>
           <a:p>
-            <a:endParaRPr lang="en-US" dirty="0" smtClean="0"/>
-          </a:p>
-          <a:p>
-            <a:r>
-              <a:rPr lang="en-US" sz="2000" dirty="0" smtClean="0">
-                <a:solidFill>
-                  <a:srgbClr val="FF0000"/>
+            <a:endParaRPr lang="en-US" dirty="0"/>
+          </a:p>
+          <a:p>
+            <a:r>
+              <a:rPr lang="en-US" sz="2000" dirty="0">
+                <a:solidFill>
+                  <a:schemeClr val="accent5">
+                    <a:lumMod val="20000"/>
+                    <a:lumOff val="80000"/>
+                  </a:schemeClr>
                 </a:solidFill>
               </a:rPr>
-              <a:t>Designed by </a:t>
-            </a:r>
-            <a:r>
-              <a:rPr lang="en-US" sz="2000" dirty="0">
-                <a:solidFill>
-                  <a:srgbClr val="FF0000"/>
-                </a:solidFill>
-              </a:rPr>
-              <a:t>: </a:t>
-            </a:r>
-            <a:r>
-              <a:rPr lang="en-US" sz="2000" dirty="0" smtClean="0">
-                <a:solidFill>
-                  <a:srgbClr val="FF0000"/>
-                </a:solidFill>
-              </a:rPr>
-              <a:t>	</a:t>
-            </a:r>
-            <a:r>
-              <a:rPr lang="en-US" sz="2000" dirty="0" err="1" smtClean="0">
-                <a:solidFill>
-                  <a:srgbClr val="FF0000"/>
+              <a:t>Designed by : 	</a:t>
+            </a:r>
+            <a:r>
+              <a:rPr lang="en-US" sz="2000" dirty="0" err="1">
+                <a:solidFill>
+                  <a:schemeClr val="accent5">
+                    <a:lumMod val="20000"/>
+                    <a:lumOff val="80000"/>
+                  </a:schemeClr>
                 </a:solidFill>
               </a:rPr>
               <a:t>BI11</a:t>
             </a:r>
             <a:r>
-              <a:rPr lang="en-US" sz="2000" dirty="0" smtClean="0">
-                <a:solidFill>
-                  <a:srgbClr val="FF0000"/>
+              <a:rPr lang="en-US" sz="2000" dirty="0">
+                <a:solidFill>
+                  <a:schemeClr val="accent5">
+                    <a:lumMod val="20000"/>
+                    <a:lumOff val="80000"/>
+                  </a:schemeClr>
                 </a:solidFill>
               </a:rPr>
-              <a:t>-122</a:t>
-            </a:r>
-            <a:r>
-              <a:rPr lang="en-US" sz="2000" dirty="0">
-                <a:solidFill>
-                  <a:srgbClr val="FF0000"/>
-                </a:solidFill>
-              </a:rPr>
-              <a:t>	</a:t>
+              <a:t>-122	</a:t>
             </a:r>
             <a:r>
               <a:rPr lang="en-US" sz="2000" dirty="0" err="1">
                 <a:solidFill>
-                  <a:srgbClr val="FF0000"/>
+                  <a:schemeClr val="accent5">
+                    <a:lumMod val="20000"/>
+                    <a:lumOff val="80000"/>
+                  </a:schemeClr>
                 </a:solidFill>
               </a:rPr>
               <a:t>Nguyễn</a:t>
@@ -6228,7 +6221,10 @@
             <a:r>
               <a:rPr lang="en-US" sz="2000" dirty="0">
                 <a:solidFill>
-                  <a:srgbClr val="FF0000"/>
+                  <a:schemeClr val="accent5">
+                    <a:lumMod val="20000"/>
+                    <a:lumOff val="80000"/>
+                  </a:schemeClr>
                 </a:solidFill>
               </a:rPr>
               <a:t> </a:t>
@@ -6236,7 +6232,10 @@
             <a:r>
               <a:rPr lang="en-US" sz="2000" dirty="0" err="1">
                 <a:solidFill>
-                  <a:srgbClr val="FF0000"/>
+                  <a:schemeClr val="accent5">
+                    <a:lumMod val="20000"/>
+                    <a:lumOff val="80000"/>
+                  </a:schemeClr>
                 </a:solidFill>
               </a:rPr>
               <a:t>Đăng</a:t>
@@ -6244,7 +6243,10 @@
             <a:r>
               <a:rPr lang="en-US" sz="2000" dirty="0">
                 <a:solidFill>
-                  <a:srgbClr val="FF0000"/>
+                  <a:schemeClr val="accent5">
+                    <a:lumMod val="20000"/>
+                    <a:lumOff val="80000"/>
+                  </a:schemeClr>
                 </a:solidFill>
               </a:rPr>
               <a:t> </a:t>
@@ -6252,54 +6254,64 @@
             <a:r>
               <a:rPr lang="en-US" sz="2000" dirty="0" err="1">
                 <a:solidFill>
-                  <a:srgbClr val="FF0000"/>
+                  <a:schemeClr val="accent5">
+                    <a:lumMod val="20000"/>
+                    <a:lumOff val="80000"/>
+                  </a:schemeClr>
                 </a:solidFill>
               </a:rPr>
               <a:t>Khoa</a:t>
             </a:r>
             <a:endParaRPr lang="en-US" sz="2000" dirty="0">
               <a:solidFill>
-                <a:srgbClr val="FF0000"/>
+                <a:schemeClr val="accent5">
+                  <a:lumMod val="20000"/>
+                  <a:lumOff val="80000"/>
+                </a:schemeClr>
               </a:solidFill>
             </a:endParaRPr>
           </a:p>
           <a:p>
             <a:r>
-              <a:rPr lang="en-US" sz="2000" dirty="0" smtClean="0">
-                <a:solidFill>
-                  <a:srgbClr val="FF0000"/>
+              <a:rPr lang="en-US" sz="2000" dirty="0">
+                <a:solidFill>
+                  <a:schemeClr val="accent5">
+                    <a:lumMod val="20000"/>
+                    <a:lumOff val="80000"/>
+                  </a:schemeClr>
                 </a:solidFill>
               </a:rPr>
               <a:t>				</a:t>
             </a:r>
             <a:r>
-              <a:rPr lang="en-US" sz="2000" dirty="0" err="1" smtClean="0">
-                <a:solidFill>
-                  <a:srgbClr val="FF0000"/>
+              <a:rPr lang="en-US" sz="2000" dirty="0" err="1">
+                <a:solidFill>
+                  <a:schemeClr val="accent5">
+                    <a:lumMod val="20000"/>
+                    <a:lumOff val="80000"/>
+                  </a:schemeClr>
                 </a:solidFill>
               </a:rPr>
               <a:t>BI11</a:t>
             </a:r>
             <a:r>
-              <a:rPr lang="en-US" sz="2000" dirty="0" smtClean="0">
-                <a:solidFill>
-                  <a:srgbClr val="FF0000"/>
+              <a:rPr lang="en-US" sz="2000" dirty="0">
+                <a:solidFill>
+                  <a:schemeClr val="accent5">
+                    <a:lumMod val="20000"/>
+                    <a:lumOff val="80000"/>
+                  </a:schemeClr>
                 </a:solidFill>
               </a:rPr>
-              <a:t>-074</a:t>
-            </a:r>
-            <a:r>
-              <a:rPr lang="en-US" sz="2000" dirty="0">
-                <a:solidFill>
-                  <a:srgbClr val="FF0000"/>
-                </a:solidFill>
-              </a:rPr>
-              <a:t>	</a:t>
+              <a:t>-074	</a:t>
             </a:r>
             <a:r>
               <a:rPr lang="en-US" sz="2000" dirty="0" err="1">
                 <a:solidFill>
-                  <a:srgbClr val="FF0000"/>
+                  <a:schemeClr val="accent5">
+                    <a:lumMod val="20000"/>
+                    <a:lumOff val="80000"/>
+                  </a:schemeClr>
                 </a:solidFill>
               </a:rPr>
               <a:t>Phạm</a:t>
@@ -6307,7 +6319,10 @@
             <a:r>
               <a:rPr lang="en-US" sz="2000" dirty="0">
                 <a:solidFill>
-                  <a:srgbClr val="FF0000"/>
+                  <a:schemeClr val="accent5">
+                    <a:lumMod val="20000"/>
+                    <a:lumOff val="80000"/>
+                  </a:schemeClr>
                 </a:solidFill>
               </a:rPr>
               <a:t> </a:t>
@@ -6315,7 +6330,10 @@
             <a:r>
               <a:rPr lang="en-US" sz="2000" dirty="0" err="1">
                 <a:solidFill>
-                  <a:srgbClr val="FF0000"/>
+                  <a:schemeClr val="accent5">
+                    <a:lumMod val="20000"/>
+                    <a:lumOff val="80000"/>
+                  </a:schemeClr>
                 </a:solidFill>
               </a:rPr>
               <a:t>Vũ</a:t>
@@ -6323,7 +6341,10 @@
             <a:r>
               <a:rPr lang="en-US" sz="2000" dirty="0">
                 <a:solidFill>
-                  <a:srgbClr val="FF0000"/>
+                  <a:schemeClr val="accent5">
+                    <a:lumMod val="20000"/>
+                    <a:lumOff val="80000"/>
+                  </a:schemeClr>
                 </a:solidFill>
               </a:rPr>
               <a:t> </a:t>
@@ -6331,54 +6352,64 @@
             <a:r>
               <a:rPr lang="en-US" sz="2000" dirty="0" err="1">
                 <a:solidFill>
-                  <a:srgbClr val="FF0000"/>
+                  <a:schemeClr val="accent5">
+                    <a:lumMod val="20000"/>
+                    <a:lumOff val="80000"/>
+                  </a:schemeClr>
                 </a:solidFill>
               </a:rPr>
               <a:t>Hải</a:t>
             </a:r>
             <a:endParaRPr lang="en-US" sz="2000" dirty="0">
               <a:solidFill>
-                <a:srgbClr val="FF0000"/>
+                <a:schemeClr val="accent5">
+                  <a:lumMod val="20000"/>
+                  <a:lumOff val="80000"/>
+                </a:schemeClr>
               </a:solidFill>
             </a:endParaRPr>
           </a:p>
           <a:p>
             <a:r>
-              <a:rPr lang="en-US" sz="2000" dirty="0" smtClean="0">
-                <a:solidFill>
-                  <a:srgbClr val="FF0000"/>
+              <a:rPr lang="en-US" sz="2000" dirty="0">
+                <a:solidFill>
+                  <a:schemeClr val="accent5">
+                    <a:lumMod val="20000"/>
+                    <a:lumOff val="80000"/>
+                  </a:schemeClr>
                 </a:solidFill>
               </a:rPr>
               <a:t>				</a:t>
             </a:r>
             <a:r>
-              <a:rPr lang="en-US" sz="2000" dirty="0" err="1" smtClean="0">
-                <a:solidFill>
-                  <a:srgbClr val="FF0000"/>
+              <a:rPr lang="en-US" sz="2000" dirty="0" err="1">
+                <a:solidFill>
+                  <a:schemeClr val="accent5">
+                    <a:lumMod val="20000"/>
+                    <a:lumOff val="80000"/>
+                  </a:schemeClr>
                 </a:solidFill>
               </a:rPr>
               <a:t>BI11</a:t>
             </a:r>
             <a:r>
-              <a:rPr lang="en-US" sz="2000" dirty="0" smtClean="0">
-                <a:solidFill>
-                  <a:srgbClr val="FF0000"/>
+              <a:rPr lang="en-US" sz="2000" dirty="0">
+                <a:solidFill>
+                  <a:schemeClr val="accent5">
+                    <a:lumMod val="20000"/>
+                    <a:lumOff val="80000"/>
+                  </a:schemeClr>
                 </a:solidFill>
               </a:rPr>
-              <a:t>-134</a:t>
-            </a:r>
-            <a:r>
-              <a:rPr lang="en-US" sz="2000" dirty="0">
-                <a:solidFill>
-                  <a:srgbClr val="FF0000"/>
-                </a:solidFill>
-              </a:rPr>
-              <a:t>	</a:t>
+              <a:t>-134	</a:t>
             </a:r>
             <a:r>
               <a:rPr lang="en-US" sz="2000" dirty="0" err="1">
                 <a:solidFill>
-                  <a:srgbClr val="FF0000"/>
+                  <a:schemeClr val="accent5">
+                    <a:lumMod val="20000"/>
+                    <a:lumOff val="80000"/>
+                  </a:schemeClr>
                 </a:solidFill>
               </a:rPr>
               <a:t>Nguyễn</a:t>
@@ -6386,7 +6417,10 @@
             <a:r>
               <a:rPr lang="en-US" sz="2000" dirty="0">
                 <a:solidFill>
-                  <a:srgbClr val="FF0000"/>
+                  <a:schemeClr val="accent5">
+                    <a:lumMod val="20000"/>
+                    <a:lumOff val="80000"/>
+                  </a:schemeClr>
                 </a:solidFill>
               </a:rPr>
               <a:t> </a:t>
@@ -6394,7 +6428,10 @@
             <a:r>
               <a:rPr lang="en-US" sz="2000" dirty="0" err="1">
                 <a:solidFill>
-                  <a:srgbClr val="FF0000"/>
+                  <a:schemeClr val="accent5">
+                    <a:lumMod val="20000"/>
+                    <a:lumOff val="80000"/>
+                  </a:schemeClr>
                 </a:solidFill>
               </a:rPr>
               <a:t>Tùng</a:t>
@@ -6402,7 +6439,10 @@
             <a:r>
               <a:rPr lang="en-US" sz="2000" dirty="0">
                 <a:solidFill>
-                  <a:srgbClr val="FF0000"/>
+                  <a:schemeClr val="accent5">
+                    <a:lumMod val="20000"/>
+                    <a:lumOff val="80000"/>
+                  </a:schemeClr>
                 </a:solidFill>
               </a:rPr>
               <a:t> </a:t>
@@ -6410,54 +6450,64 @@
             <a:r>
               <a:rPr lang="en-US" sz="2000" dirty="0" err="1">
                 <a:solidFill>
-                  <a:srgbClr val="FF0000"/>
+                  <a:schemeClr val="accent5">
+                    <a:lumMod val="20000"/>
+                    <a:lumOff val="80000"/>
+                  </a:schemeClr>
                 </a:solidFill>
               </a:rPr>
               <a:t>Lâm</a:t>
             </a:r>
             <a:endParaRPr lang="en-US" sz="2000" dirty="0">
               <a:solidFill>
-                <a:srgbClr val="FF0000"/>
+                <a:schemeClr val="accent5">
+                  <a:lumMod val="20000"/>
+                  <a:lumOff val="80000"/>
+                </a:schemeClr>
               </a:solidFill>
             </a:endParaRPr>
           </a:p>
           <a:p>
             <a:r>
-              <a:rPr lang="en-US" sz="2000" dirty="0" smtClean="0">
-                <a:solidFill>
-                  <a:srgbClr val="FF0000"/>
+              <a:rPr lang="en-US" sz="2000" dirty="0">
+                <a:solidFill>
+                  <a:schemeClr val="accent5">
+                    <a:lumMod val="20000"/>
+                    <a:lumOff val="80000"/>
+                  </a:schemeClr>
                 </a:solidFill>
               </a:rPr>
               <a:t>				</a:t>
             </a:r>
             <a:r>
-              <a:rPr lang="en-US" sz="2000" dirty="0" err="1" smtClean="0">
-                <a:solidFill>
-                  <a:srgbClr val="FF0000"/>
+              <a:rPr lang="en-US" sz="2000" dirty="0" err="1">
+                <a:solidFill>
+                  <a:schemeClr val="accent5">
+                    <a:lumMod val="20000"/>
+                    <a:lumOff val="80000"/>
+                  </a:schemeClr>
                 </a:solidFill>
               </a:rPr>
               <a:t>BI11</a:t>
             </a:r>
             <a:r>
-              <a:rPr lang="en-US" sz="2000" dirty="0" smtClean="0">
-                <a:solidFill>
-                  <a:srgbClr val="FF0000"/>
+              <a:rPr lang="en-US" sz="2000" dirty="0">
+                <a:solidFill>
+                  <a:schemeClr val="accent5">
+                    <a:lumMod val="20000"/>
+                    <a:lumOff val="80000"/>
+                  </a:schemeClr>
                 </a:solidFill>
               </a:rPr>
-              <a:t>-128</a:t>
-            </a:r>
-            <a:r>
-              <a:rPr lang="en-US" sz="2000" dirty="0">
-                <a:solidFill>
-                  <a:srgbClr val="FF0000"/>
-                </a:solidFill>
-              </a:rPr>
-              <a:t>	</a:t>
+              <a:t>-128	</a:t>
             </a:r>
             <a:r>
               <a:rPr lang="en-US" sz="2000" dirty="0" err="1">
                 <a:solidFill>
-                  <a:srgbClr val="FF0000"/>
+                  <a:schemeClr val="accent5">
+                    <a:lumMod val="20000"/>
+                    <a:lumOff val="80000"/>
+                  </a:schemeClr>
                 </a:solidFill>
               </a:rPr>
               <a:t>Vũ</a:t>
@@ -6465,7 +6515,10 @@
             <a:r>
               <a:rPr lang="en-US" sz="2000" dirty="0">
                 <a:solidFill>
-                  <a:srgbClr val="FF0000"/>
+                  <a:schemeClr val="accent5">
+                    <a:lumMod val="20000"/>
+                    <a:lumOff val="80000"/>
+                  </a:schemeClr>
                 </a:solidFill>
               </a:rPr>
               <a:t> </a:t>
@@ -6473,7 +6526,10 @@
             <a:r>
               <a:rPr lang="en-US" sz="2000" dirty="0" err="1">
                 <a:solidFill>
-                  <a:srgbClr val="FF0000"/>
+                  <a:schemeClr val="accent5">
+                    <a:lumMod val="20000"/>
+                    <a:lumOff val="80000"/>
+                  </a:schemeClr>
                 </a:solidFill>
               </a:rPr>
               <a:t>Đúc</a:t>
@@ -6481,7 +6537,10 @@
             <a:r>
               <a:rPr lang="en-US" sz="2000" dirty="0">
                 <a:solidFill>
-                  <a:srgbClr val="FF0000"/>
+                  <a:schemeClr val="accent5">
+                    <a:lumMod val="20000"/>
+                    <a:lumOff val="80000"/>
+                  </a:schemeClr>
                 </a:solidFill>
               </a:rPr>
               <a:t> </a:t>
@@ -6489,102 +6548,115 @@
             <a:r>
               <a:rPr lang="en-US" sz="2000" dirty="0" err="1">
                 <a:solidFill>
-                  <a:srgbClr val="FF0000"/>
+                  <a:schemeClr val="accent5">
+                    <a:lumMod val="20000"/>
+                    <a:lumOff val="80000"/>
+                  </a:schemeClr>
                 </a:solidFill>
               </a:rPr>
               <a:t>Kiên</a:t>
             </a:r>
             <a:endParaRPr lang="en-US" sz="2000" dirty="0">
               <a:solidFill>
-                <a:srgbClr val="FF0000"/>
+                <a:schemeClr val="accent5">
+                  <a:lumMod val="20000"/>
+                  <a:lumOff val="80000"/>
+                </a:schemeClr>
               </a:solidFill>
             </a:endParaRPr>
           </a:p>
           <a:p>
             <a:r>
-              <a:rPr lang="en-US" sz="2000" dirty="0" smtClean="0">
-                <a:solidFill>
-                  <a:srgbClr val="FF0000"/>
+              <a:rPr lang="en-US" sz="2000" dirty="0">
+                <a:solidFill>
+                  <a:schemeClr val="accent5">
+                    <a:lumMod val="20000"/>
+                    <a:lumOff val="80000"/>
+                  </a:schemeClr>
                 </a:solidFill>
               </a:rPr>
               <a:t>				</a:t>
             </a:r>
             <a:r>
-              <a:rPr lang="en-US" sz="2000" dirty="0" err="1" smtClean="0">
-                <a:solidFill>
-                  <a:srgbClr val="FF0000"/>
+              <a:rPr lang="en-US" sz="2000" dirty="0" err="1">
+                <a:solidFill>
+                  <a:schemeClr val="accent5">
+                    <a:lumMod val="20000"/>
+                    <a:lumOff val="80000"/>
+                  </a:schemeClr>
                 </a:solidFill>
               </a:rPr>
               <a:t>BI11</a:t>
             </a:r>
             <a:r>
-              <a:rPr lang="en-US" sz="2000" dirty="0" smtClean="0">
-                <a:solidFill>
-                  <a:srgbClr val="FF0000"/>
+              <a:rPr lang="en-US" sz="2000" dirty="0">
+                <a:solidFill>
+                  <a:schemeClr val="accent5">
+                    <a:lumMod val="20000"/>
+                    <a:lumOff val="80000"/>
+                  </a:schemeClr>
                 </a:solidFill>
               </a:rPr>
-              <a:t>-205</a:t>
-            </a:r>
-            <a:r>
-              <a:rPr lang="en-US" sz="2000" dirty="0">
-                <a:solidFill>
-                  <a:srgbClr val="FF0000"/>
-                </a:solidFill>
-              </a:rPr>
-              <a:t>	Tạ Đình Thái </a:t>
+              <a:t>-205	Tạ Đình Thái </a:t>
             </a:r>
             <a:r>
               <a:rPr lang="en-US" sz="2000" dirty="0" err="1">
                 <a:solidFill>
-                  <a:srgbClr val="FF0000"/>
+                  <a:schemeClr val="accent5">
+                    <a:lumMod val="20000"/>
+                    <a:lumOff val="80000"/>
+                  </a:schemeClr>
                 </a:solidFill>
               </a:rPr>
               <a:t>Nhân</a:t>
             </a:r>
             <a:endParaRPr lang="en-US" sz="2000" dirty="0">
               <a:solidFill>
-                <a:srgbClr val="FF0000"/>
+                <a:schemeClr val="accent5">
+                  <a:lumMod val="20000"/>
+                  <a:lumOff val="80000"/>
+                </a:schemeClr>
               </a:solidFill>
             </a:endParaRPr>
           </a:p>
           <a:p>
-            <a:endParaRPr lang="en-US" dirty="0" smtClean="0"/>
-          </a:p>
-          <a:p>
             <a:endParaRPr lang="en-US" dirty="0"/>
           </a:p>
           <a:p>
-            <a:endParaRPr lang="en-US" dirty="0" smtClean="0"/>
-          </a:p>
-          <a:p>
             <a:endParaRPr lang="en-US" dirty="0"/>
           </a:p>
           <a:p>
-            <a:endParaRPr lang="en-US" dirty="0" smtClean="0"/>
-          </a:p>
-          <a:p>
             <a:endParaRPr lang="en-US" dirty="0"/>
           </a:p>
           <a:p>
-            <a:endParaRPr lang="en-US" dirty="0" smtClean="0"/>
-          </a:p>
-          <a:p>
             <a:endParaRPr lang="en-US" dirty="0"/>
           </a:p>
           <a:p>
-            <a:endParaRPr lang="en-US" dirty="0" smtClean="0"/>
-          </a:p>
-          <a:p>
             <a:endParaRPr lang="en-US" dirty="0"/>
           </a:p>
           <a:p>
-            <a:endParaRPr lang="en-US" dirty="0" smtClean="0"/>
-          </a:p>
-          <a:p>
             <a:endParaRPr lang="en-US" dirty="0"/>
           </a:p>
           <a:p>
-            <a:endParaRPr lang="en-US" dirty="0" smtClean="0"/>
+            <a:endParaRPr lang="en-US" dirty="0"/>
+          </a:p>
+          <a:p>
+            <a:endParaRPr lang="en-US" dirty="0"/>
+          </a:p>
+          <a:p>
+            <a:endParaRPr lang="en-US" dirty="0"/>
+          </a:p>
+          <a:p>
+            <a:endParaRPr lang="en-US" dirty="0"/>
+          </a:p>
+          <a:p>
+            <a:endParaRPr lang="en-US" dirty="0"/>
+          </a:p>
+          <a:p>
+            <a:endParaRPr lang="en-US" dirty="0"/>
+          </a:p>
+          <a:p>
+            <a:endParaRPr lang="en-US" dirty="0"/>
           </a:p>
           <a:p>
             <a:endParaRPr lang="en-US" dirty="0"/>
@@ -6625,13 +6697,6 @@
   <p:clrMapOvr>
     <a:masterClrMapping/>
   </p:clrMapOvr>
-  <p:timing>
-    <p:tnLst>
-      <p:par>
-        <p:cTn id="1" dur="indefinite" restart="never" nodeType="tmRoot"/>
-      </p:par>
-    </p:tnLst>
-  </p:timing>
 </p:sld>
 </file>
 
@@ -6674,10 +6739,9 @@
           <a:p>
             <a:pPr algn="ctr"/>
             <a:r>
-              <a:rPr lang="en-US" sz="6000" dirty="0" smtClean="0"/>
+              <a:rPr lang="en-US" sz="6000" dirty="0"/>
               <a:t>Overview of the game</a:t>
             </a:r>
-            <a:endParaRPr lang="en-US" sz="6000" dirty="0"/>
           </a:p>
         </p:txBody>
       </p:sp>
@@ -6746,43 +6810,35 @@
           </a:bodyPr>
           <a:lstStyle/>
           <a:p>
-            <a:r>
-              <a:rPr lang="en-US" dirty="0" smtClean="0"/>
-              <a:t>Developed using </a:t>
-            </a:r>
-            <a:r>
-              <a:rPr lang="en-US" dirty="0" err="1" smtClean="0"/>
+            <a:pPr marL="285750" indent="-285750">
+              <a:buFontTx/>
+              <a:buChar char="-"/>
+            </a:pPr>
+            <a:r>
+              <a:rPr lang="en-US" dirty="0"/>
+              <a:t>Using </a:t>
+            </a:r>
+            <a:r>
+              <a:rPr lang="en-US" dirty="0" err="1"/>
               <a:t>threejs</a:t>
             </a:r>
             <a:r>
-              <a:rPr lang="en-US" dirty="0" smtClean="0"/>
+              <a:rPr lang="en-US" dirty="0"/>
               <a:t>, </a:t>
             </a:r>
           </a:p>
           <a:p>
-            <a:r>
-              <a:rPr lang="en-US" dirty="0" smtClean="0"/>
-              <a:t>a </a:t>
-            </a:r>
+            <a:pPr marL="285750" indent="-285750">
+              <a:buFontTx/>
+              <a:buChar char="-"/>
+            </a:pPr>
             <a:r>
               <a:rPr lang="en-US" dirty="0"/>
-              <a:t>popular JavaScript library for </a:t>
-            </a:r>
-            <a:r>
-              <a:rPr lang="en-US" dirty="0" smtClean="0"/>
-              <a:t>creating </a:t>
-            </a:r>
-            <a:r>
-              <a:rPr lang="en-US" dirty="0"/>
-              <a:t>3D graphics </a:t>
-            </a:r>
-            <a:r>
-              <a:rPr lang="en-US" dirty="0" smtClean="0"/>
-              <a:t>in </a:t>
-            </a:r>
-            <a:r>
-              <a:rPr lang="en-US" dirty="0" err="1" smtClean="0"/>
-              <a:t>webapplications</a:t>
+              <a:t>A popular JavaScript library for creating 3D graphics in web </a:t>
+            </a:r>
+            <a:r>
+              <a:rPr lang="en-US" dirty="0" err="1"/>
+              <a:t>applicatiom</a:t>
             </a:r>
             <a:endParaRPr lang="en-US" dirty="0"/>
           </a:p>
@@ -6798,13 +6854,6 @@
   <p:clrMapOvr>
     <a:masterClrMapping/>
   </p:clrMapOvr>
-  <p:timing>
-    <p:tnLst>
-      <p:par>
-        <p:cTn id="1" dur="indefinite" restart="never" nodeType="tmRoot"/>
-      </p:par>
-    </p:tnLst>
-  </p:timing>
 </p:sld>
 </file>
 
@@ -6870,15 +6919,11 @@
           <a:p>
             <a:r>
               <a:rPr lang="en-US" dirty="0"/>
-              <a:t>The game </a:t>
-            </a:r>
-            <a:r>
-              <a:rPr lang="en-US" dirty="0" smtClean="0"/>
-              <a:t>features :</a:t>
-            </a:r>
-          </a:p>
-          <a:p>
-            <a:endParaRPr lang="en-US" dirty="0" smtClean="0"/>
+              <a:t>The game features :</a:t>
+            </a:r>
+          </a:p>
+          <a:p>
+            <a:endParaRPr lang="en-US" dirty="0"/>
           </a:p>
           <a:p>
             <a:pPr>
@@ -6886,16 +6931,8 @@
               <a:buChar char="-"/>
             </a:pPr>
             <a:r>
-              <a:rPr lang="en-US" dirty="0" smtClean="0"/>
-              <a:t>a </a:t>
-            </a:r>
-            <a:r>
               <a:rPr lang="en-US" dirty="0"/>
-              <a:t>3D environment with a cube-shaped play </a:t>
-            </a:r>
-            <a:r>
-              <a:rPr lang="en-US" dirty="0" smtClean="0"/>
-              <a:t>area</a:t>
+              <a:t>a 3D environment with a cube-shaped play area</a:t>
             </a:r>
           </a:p>
           <a:p>
@@ -6908,7 +6945,7 @@
             <a:pPr marL="0" indent="0">
               <a:buNone/>
             </a:pPr>
-            <a:endParaRPr lang="en-US" dirty="0" smtClean="0"/>
+            <a:endParaRPr lang="en-US" dirty="0"/>
           </a:p>
           <a:p>
             <a:pPr>
@@ -6917,11 +6954,7 @@
             </a:pPr>
             <a:r>
               <a:rPr lang="en-US" dirty="0"/>
-              <a:t>a snake that moves through the </a:t>
-            </a:r>
-            <a:r>
-              <a:rPr lang="en-US" dirty="0" smtClean="0"/>
-              <a:t>cube</a:t>
+              <a:t>a snake that moves through the cube</a:t>
             </a:r>
           </a:p>
           <a:p>
@@ -6934,7 +6967,7 @@
             <a:pPr marL="0" indent="0">
               <a:buNone/>
             </a:pPr>
-            <a:endParaRPr lang="en-US" dirty="0" smtClean="0"/>
+            <a:endParaRPr lang="en-US" dirty="0"/>
           </a:p>
           <a:p>
             <a:pPr>
@@ -6945,7 +6978,6 @@
               <a:rPr lang="en-US" dirty="0"/>
               <a:t>an apple that the snake tries to eat</a:t>
             </a:r>
-            <a:endParaRPr lang="en-US" dirty="0"/>
           </a:p>
         </p:txBody>
       </p:sp>
@@ -7013,7 +7045,7 @@
         </p:blipFill>
         <p:spPr bwMode="auto">
           <a:xfrm>
-            <a:off x="6612358" y="3388658"/>
+            <a:off x="7961546" y="3388658"/>
             <a:ext cx="1524000" cy="1524000"/>
           </a:xfrm>
           <a:prstGeom prst="rect">
@@ -7054,7 +7086,7 @@
         </p:blipFill>
         <p:spPr bwMode="auto">
           <a:xfrm>
-            <a:off x="6244058" y="5112328"/>
+            <a:off x="7961546" y="5112328"/>
             <a:ext cx="1651000" cy="1651000"/>
           </a:xfrm>
           <a:prstGeom prst="rect">
@@ -7082,13 +7114,6 @@
   <p:clrMapOvr>
     <a:masterClrMapping/>
   </p:clrMapOvr>
-  <p:timing>
-    <p:tnLst>
-      <p:par>
-        <p:cTn id="1" dur="indefinite" restart="never" nodeType="tmRoot"/>
-      </p:par>
-    </p:tnLst>
-  </p:timing>
 </p:sld>
 </file>
 
@@ -7131,10 +7156,9 @@
           <a:p>
             <a:pPr algn="ctr"/>
             <a:r>
-              <a:rPr lang="en-US" sz="6000" dirty="0" smtClean="0"/>
+              <a:rPr lang="en-US" sz="6000" dirty="0"/>
               <a:t>Overview of the game</a:t>
             </a:r>
-            <a:endParaRPr lang="en-US" sz="6000" dirty="0"/>
           </a:p>
         </p:txBody>
       </p:sp>
@@ -7165,31 +7189,15 @@
               <a:buChar char="-"/>
             </a:pPr>
             <a:r>
-              <a:rPr lang="en-US" dirty="0" smtClean="0"/>
-              <a:t>The </a:t>
-            </a:r>
-            <a:r>
               <a:rPr lang="en-US" dirty="0"/>
-              <a:t>game uses a perspective camera to </a:t>
-            </a:r>
-            <a:r>
-              <a:rPr lang="en-US" dirty="0" smtClean="0"/>
-              <a:t>create </a:t>
-            </a:r>
-            <a:r>
-              <a:rPr lang="en-US" dirty="0"/>
-              <a:t>a 3D view of the play </a:t>
-            </a:r>
-            <a:r>
-              <a:rPr lang="en-US" dirty="0" smtClean="0"/>
-              <a:t>area</a:t>
+              <a:t>The game uses a perspective camera to create a 3D view of the play area</a:t>
             </a:r>
           </a:p>
           <a:p>
             <a:pPr marL="0" indent="0">
               <a:buNone/>
             </a:pPr>
-            <a:endParaRPr lang="en-US" dirty="0" smtClean="0"/>
+            <a:endParaRPr lang="en-US" dirty="0"/>
           </a:p>
           <a:p>
             <a:pPr>
@@ -7198,13 +7206,8 @@
             </a:pPr>
             <a:r>
               <a:rPr lang="en-US" dirty="0"/>
-              <a:t>The snake is made up of a series of cube-shaped objects, each of which is colored differently to distinguish the head from the </a:t>
-            </a:r>
-            <a:r>
-              <a:rPr lang="en-US" dirty="0" smtClean="0"/>
-              <a:t>body</a:t>
-            </a:r>
-            <a:endParaRPr lang="en-US" dirty="0"/>
+              <a:t>The snake is made up of a series of cube-shaped objects, each of which is colored differently to distinguish the head from the body</a:t>
+            </a:r>
           </a:p>
           <a:p>
             <a:pPr>
@@ -7215,21 +7218,12 @@
           </a:p>
           <a:p>
             <a:r>
-              <a:rPr lang="en-US" dirty="0" smtClean="0"/>
-              <a:t>The </a:t>
-            </a:r>
-            <a:r>
               <a:rPr lang="en-US" dirty="0"/>
-              <a:t>apple is also a cube-shaped object, and is randomly placed within the play area at the start of each game and after the snake eats the </a:t>
-            </a:r>
-            <a:r>
-              <a:rPr lang="en-US" dirty="0" smtClean="0"/>
-              <a:t>apple</a:t>
-            </a:r>
+              <a:t>The apple is also a cube-shaped object, and is randomly placed within the play area at the start of each game and after the snake eats the apple</a:t>
+            </a:r>
+          </a:p>
+          <a:p>
             <a:endParaRPr lang="en-US" dirty="0"/>
-          </a:p>
-          <a:p>
-            <a:endParaRPr lang="en-US" dirty="0" smtClean="0"/>
           </a:p>
           <a:p>
             <a:pPr marL="0" indent="0">
@@ -7255,8 +7249,8 @@
         </p:blipFill>
         <p:spPr>
           <a:xfrm>
-            <a:off x="6871898" y="1612507"/>
-            <a:ext cx="1954530" cy="1257300"/>
+            <a:off x="7873648" y="1683027"/>
+            <a:ext cx="2177186" cy="1400529"/>
           </a:xfrm>
           <a:prstGeom prst="rect">
             <a:avLst/>
@@ -7279,7 +7273,7 @@
         </p:blipFill>
         <p:spPr>
           <a:xfrm>
-            <a:off x="6871898" y="3343849"/>
+            <a:off x="7873648" y="3377246"/>
             <a:ext cx="2381250" cy="742950"/>
           </a:xfrm>
           <a:prstGeom prst="rect">
@@ -7303,7 +7297,7 @@
         </p:blipFill>
         <p:spPr>
           <a:xfrm>
-            <a:off x="6871898" y="4474708"/>
+            <a:off x="7816561" y="4488335"/>
             <a:ext cx="2517458" cy="2311718"/>
           </a:xfrm>
           <a:prstGeom prst="rect">
@@ -7321,13 +7315,6 @@
   <p:clrMapOvr>
     <a:masterClrMapping/>
   </p:clrMapOvr>
-  <p:timing>
-    <p:tnLst>
-      <p:par>
-        <p:cTn id="1" dur="indefinite" restart="never" nodeType="tmRoot"/>
-      </p:par>
-    </p:tnLst>
-  </p:timing>
 </p:sld>
 </file>
 
@@ -7400,26 +7387,8 @@
           <a:p>
             <a:r>
               <a:rPr lang="en-US" dirty="0"/>
-              <a:t>The game </a:t>
-            </a:r>
-            <a:r>
-              <a:rPr lang="en-US" dirty="0" smtClean="0"/>
-              <a:t>uses four </a:t>
-            </a:r>
-            <a:r>
-              <a:rPr lang="en-US" dirty="0"/>
-              <a:t>point lights placed at different locations around the play </a:t>
-            </a:r>
-            <a:r>
-              <a:rPr lang="en-US" dirty="0" smtClean="0"/>
-              <a:t>area</a:t>
-            </a:r>
-          </a:p>
-          <a:p>
-            <a:pPr marL="0" indent="0">
-              <a:buNone/>
-            </a:pPr>
-            <a:endParaRPr lang="en-US" dirty="0" smtClean="0"/>
+              <a:t>The game uses four point lights placed at different locations around the play area</a:t>
+            </a:r>
           </a:p>
           <a:p>
             <a:pPr marL="0" indent="0">
@@ -7428,26 +7397,6 @@
             <a:endParaRPr lang="en-US" dirty="0"/>
           </a:p>
           <a:p>
-            <a:r>
-              <a:rPr lang="en-US" dirty="0" smtClean="0"/>
-              <a:t>The game </a:t>
-            </a:r>
-            <a:r>
-              <a:rPr lang="en-US" dirty="0"/>
-              <a:t>also includes a score counter that updates each time the snake eats an </a:t>
-            </a:r>
-            <a:r>
-              <a:rPr lang="en-US" dirty="0" smtClean="0"/>
-              <a:t>apple</a:t>
-            </a:r>
-          </a:p>
-          <a:p>
-            <a:pPr marL="0" indent="0">
-              <a:buNone/>
-            </a:pPr>
-            <a:endParaRPr lang="en-US" dirty="0" smtClean="0"/>
-          </a:p>
-          <a:p>
             <a:pPr marL="0" indent="0">
               <a:buNone/>
             </a:pPr>
@@ -7456,15 +7405,25 @@
           <a:p>
             <a:r>
               <a:rPr lang="en-US" dirty="0"/>
-              <a:t>The game is </a:t>
-            </a:r>
-            <a:r>
-              <a:rPr lang="en-US" dirty="0" smtClean="0"/>
-              <a:t>implemented using JavaScript </a:t>
-            </a:r>
+              <a:t>The game also includes a score counter that updates each time the snake eats an apple</a:t>
+            </a:r>
+          </a:p>
+          <a:p>
+            <a:pPr marL="0" indent="0">
+              <a:buNone/>
+            </a:pPr>
+            <a:endParaRPr lang="en-US" dirty="0"/>
+          </a:p>
+          <a:p>
+            <a:pPr marL="0" indent="0">
+              <a:buNone/>
+            </a:pPr>
+            <a:endParaRPr lang="en-US" dirty="0"/>
+          </a:p>
+          <a:p>
             <a:r>
               <a:rPr lang="en-US" dirty="0"/>
-              <a:t>and HTML, with </a:t>
+              <a:t>The game is implemented using JavaScript and HTML, with </a:t>
             </a:r>
             <a:r>
               <a:rPr lang="en-US" dirty="0" err="1"/>
@@ -7472,11 +7431,7 @@
             </a:r>
             <a:r>
               <a:rPr lang="en-US" dirty="0"/>
-              <a:t> </a:t>
-            </a:r>
-            <a:r>
-              <a:rPr lang="en-US" dirty="0" smtClean="0"/>
-              <a:t>and </a:t>
+              <a:t> and </a:t>
             </a:r>
             <a:r>
               <a:rPr lang="en-US" dirty="0" err="1"/>
@@ -7484,29 +7439,16 @@
             </a:r>
             <a:r>
               <a:rPr lang="en-US" dirty="0"/>
-              <a:t> libraries used to create the 3D environment and camera </a:t>
-            </a:r>
-            <a:r>
-              <a:rPr lang="en-US" dirty="0" smtClean="0"/>
-              <a:t>controls</a:t>
-            </a:r>
-            <a:endParaRPr lang="en-US" dirty="0"/>
+              <a:t> libraries used to create the 3D environment and camera controls</a:t>
+            </a:r>
           </a:p>
           <a:p>
             <a:pPr marL="0" indent="0">
               <a:buNone/>
             </a:pPr>
-            <a:r>
-              <a:rPr lang="en-US" dirty="0"/>
-              <a:t/>
-            </a:r>
             <a:br>
               <a:rPr lang="en-US" dirty="0"/>
             </a:br>
-            <a:r>
-              <a:rPr lang="en-US" dirty="0"/>
-              <a:t/>
-            </a:r>
             <a:br>
               <a:rPr lang="en-US" dirty="0"/>
             </a:br>
@@ -7565,13 +7507,6 @@
   <p:clrMapOvr>
     <a:masterClrMapping/>
   </p:clrMapOvr>
-  <p:timing>
-    <p:tnLst>
-      <p:par>
-        <p:cTn id="1" dur="indefinite" restart="never" nodeType="tmRoot"/>
-      </p:par>
-    </p:tnLst>
-  </p:timing>
 </p:sld>
 </file>
 
@@ -7652,11 +7587,7 @@
             </a:r>
             <a:r>
               <a:rPr lang="en-US" dirty="0"/>
-              <a:t>() method to create a smooth animation loop that updates the position of the snake and apple, and checks for collisions between them</a:t>
-            </a:r>
-            <a:r>
-              <a:rPr lang="en-US" dirty="0" smtClean="0"/>
-              <a:t>.</a:t>
+              <a:t>() method to create a smooth animation loop that updates the position of the snake and apple, and checks for collisions between them.</a:t>
             </a:r>
           </a:p>
           <a:p>
@@ -7667,30 +7598,14 @@
           </a:p>
           <a:p>
             <a:r>
-              <a:rPr lang="en-US" dirty="0" smtClean="0"/>
-              <a:t>The </a:t>
-            </a:r>
-            <a:r>
               <a:rPr lang="en-US" dirty="0"/>
-              <a:t>game also includes error handling to restart </a:t>
-            </a:r>
-            <a:r>
-              <a:rPr lang="en-US" dirty="0" smtClean="0"/>
-              <a:t>the </a:t>
-            </a:r>
-            <a:r>
-              <a:rPr lang="en-US" dirty="0"/>
-              <a:t>game if the snake collides with itself or goes out of bounds.</a:t>
+              <a:t>The game also includes error handling to restart the game if the snake collides with itself or goes out of bounds.</a:t>
             </a:r>
           </a:p>
           <a:p>
             <a:pPr marL="0" indent="0">
               <a:buNone/>
             </a:pPr>
-            <a:r>
-              <a:rPr lang="en-US" dirty="0"/>
-              <a:t/>
-            </a:r>
             <a:br>
               <a:rPr lang="en-US" dirty="0"/>
             </a:br>
@@ -7790,13 +7705,6 @@
   <p:clrMapOvr>
     <a:masterClrMapping/>
   </p:clrMapOvr>
-  <p:timing>
-    <p:tnLst>
-      <p:par>
-        <p:cTn id="1" dur="indefinite" restart="never" nodeType="tmRoot"/>
-      </p:par>
-    </p:tnLst>
-  </p:timing>
 </p:sld>
 </file>
 
@@ -7839,10 +7747,9 @@
           <a:p>
             <a:pPr algn="ctr"/>
             <a:r>
-              <a:rPr lang="en-US" sz="6000" dirty="0" smtClean="0"/>
+              <a:rPr lang="en-US" sz="6000" dirty="0"/>
               <a:t>How to play</a:t>
             </a:r>
-            <a:endParaRPr lang="en-US" sz="6000" dirty="0"/>
           </a:p>
         </p:txBody>
       </p:sp>
@@ -7862,15 +7769,9 @@
           <a:lstStyle/>
           <a:p>
             <a:r>
-              <a:rPr lang="en-US" dirty="0" smtClean="0"/>
+              <a:rPr lang="en-US" dirty="0"/>
               <a:t>Click and drag to start the game</a:t>
             </a:r>
-          </a:p>
-          <a:p>
-            <a:pPr marL="0" indent="0">
-              <a:buNone/>
-            </a:pPr>
-            <a:endParaRPr lang="en-US" dirty="0" smtClean="0"/>
           </a:p>
           <a:p>
             <a:pPr marL="0" indent="0">
@@ -7882,19 +7783,7 @@
             <a:pPr marL="0" indent="0">
               <a:buNone/>
             </a:pPr>
-            <a:endParaRPr lang="en-US" dirty="0" smtClean="0"/>
-          </a:p>
-          <a:p>
-            <a:r>
-              <a:rPr lang="en-US" dirty="0" smtClean="0"/>
-              <a:t>Use the arrow key to move in the same “floor”</a:t>
-            </a:r>
-          </a:p>
-          <a:p>
-            <a:pPr marL="0" indent="0">
-              <a:buNone/>
-            </a:pPr>
-            <a:endParaRPr lang="en-US" dirty="0" smtClean="0"/>
+            <a:endParaRPr lang="en-US" dirty="0"/>
           </a:p>
           <a:p>
             <a:pPr marL="0" indent="0">
@@ -7903,17 +7792,34 @@
             <a:endParaRPr lang="en-US" dirty="0"/>
           </a:p>
           <a:p>
+            <a:r>
+              <a:rPr lang="en-US" dirty="0"/>
+              <a:t>Use the arrow key to move in the same “floor”</a:t>
+            </a:r>
+          </a:p>
+          <a:p>
             <a:pPr marL="0" indent="0">
               <a:buNone/>
             </a:pPr>
-            <a:endParaRPr lang="en-US" dirty="0" smtClean="0"/>
-          </a:p>
-          <a:p>
-            <a:r>
-              <a:rPr lang="en-US" dirty="0" smtClean="0"/>
+            <a:endParaRPr lang="en-US" dirty="0"/>
+          </a:p>
+          <a:p>
+            <a:pPr marL="0" indent="0">
+              <a:buNone/>
+            </a:pPr>
+            <a:endParaRPr lang="en-US" dirty="0"/>
+          </a:p>
+          <a:p>
+            <a:pPr marL="0" indent="0">
+              <a:buNone/>
+            </a:pPr>
+            <a:endParaRPr lang="en-US" dirty="0"/>
+          </a:p>
+          <a:p>
+            <a:r>
+              <a:rPr lang="en-US" dirty="0"/>
               <a:t>Use q and a to move up/down the floor</a:t>
             </a:r>
-            <a:endParaRPr lang="en-US" dirty="0"/>
           </a:p>
         </p:txBody>
       </p:sp>
@@ -7940,7 +7846,7 @@
         </p:blipFill>
         <p:spPr bwMode="auto">
           <a:xfrm>
-            <a:off x="6052522" y="1576875"/>
+            <a:off x="7769354" y="1576875"/>
             <a:ext cx="1524000" cy="1524000"/>
           </a:xfrm>
           <a:prstGeom prst="rect">
@@ -7981,7 +7887,7 @@
         </p:blipFill>
         <p:spPr bwMode="auto">
           <a:xfrm>
-            <a:off x="7769354" y="3100875"/>
+            <a:off x="7769354" y="3293408"/>
             <a:ext cx="1714500" cy="1714500"/>
           </a:xfrm>
           <a:prstGeom prst="rect">
@@ -8022,8 +7928,8 @@
         </p:blipFill>
         <p:spPr bwMode="auto">
           <a:xfrm>
-            <a:off x="6814522" y="5239754"/>
-            <a:ext cx="2496312" cy="1097280"/>
+            <a:off x="7769354" y="5376230"/>
+            <a:ext cx="2422195" cy="1064701"/>
           </a:xfrm>
           <a:prstGeom prst="rect">
             <a:avLst/>
@@ -8050,13 +7956,6 @@
   <p:clrMapOvr>
     <a:masterClrMapping/>
   </p:clrMapOvr>
-  <p:timing>
-    <p:tnLst>
-      <p:par>
-        <p:cTn id="1" dur="indefinite" restart="never" nodeType="tmRoot"/>
-      </p:par>
-    </p:tnLst>
-  </p:timing>
 </p:sld>
 </file>
 
@@ -8099,10 +7998,9 @@
           <a:p>
             <a:pPr algn="ctr"/>
             <a:r>
-              <a:rPr lang="en-US" sz="6000" dirty="0" smtClean="0"/>
+              <a:rPr lang="en-US" sz="6000" dirty="0"/>
               <a:t>Demo</a:t>
             </a:r>
-            <a:endParaRPr lang="en-US" sz="6000" dirty="0"/>
           </a:p>
         </p:txBody>
       </p:sp>
@@ -8157,13 +8055,6 @@
   <p:clrMapOvr>
     <a:masterClrMapping/>
   </p:clrMapOvr>
-  <p:timing>
-    <p:tnLst>
-      <p:par>
-        <p:cTn id="1" dur="indefinite" restart="never" nodeType="tmRoot"/>
-      </p:par>
-    </p:tnLst>
-  </p:timing>
 </p:sld>
 </file>
 

--- a/Presentation.pptx
+++ b/Presentation.pptx
@@ -13,6 +13,7 @@
     <p:sldId id="261" r:id="rId7"/>
     <p:sldId id="262" r:id="rId8"/>
     <p:sldId id="263" r:id="rId9"/>
+    <p:sldId id="264" r:id="rId10"/>
   </p:sldIdLst>
   <p:sldSz cx="12192000" cy="6858000"/>
   <p:notesSz cx="6858000" cy="9144000"/>
@@ -6098,9 +6099,551 @@
           <a:chExt cx="0" cy="0"/>
         </a:xfrm>
       </p:grpSpPr>
+      <p:sp>
+        <p:nvSpPr>
+          <p:cNvPr id="4" name="TextBox 3"/>
+          <p:cNvSpPr txBox="1"/>
+          <p:nvPr/>
+        </p:nvSpPr>
+        <p:spPr>
+          <a:xfrm>
+            <a:off x="149290" y="345233"/>
+            <a:ext cx="5822302" cy="8002191"/>
+          </a:xfrm>
+          <a:prstGeom prst="rect">
+            <a:avLst/>
+          </a:prstGeom>
+          <a:noFill/>
+        </p:spPr>
+        <p:txBody>
+          <a:bodyPr wrap="square" rtlCol="0">
+            <a:spAutoFit/>
+          </a:bodyPr>
+          <a:lstStyle/>
+          <a:p>
+            <a:pPr algn="ctr"/>
+            <a:r>
+              <a:rPr lang="en-US" sz="5400" dirty="0"/>
+              <a:t>3D Snake Game</a:t>
+            </a:r>
+          </a:p>
+          <a:p>
+            <a:endParaRPr lang="en-US" dirty="0"/>
+          </a:p>
+          <a:p>
+            <a:endParaRPr lang="en-US" dirty="0"/>
+          </a:p>
+          <a:p>
+            <a:endParaRPr lang="en-US" dirty="0"/>
+          </a:p>
+          <a:p>
+            <a:endParaRPr lang="en-US" dirty="0"/>
+          </a:p>
+          <a:p>
+            <a:endParaRPr lang="en-US" dirty="0"/>
+          </a:p>
+          <a:p>
+            <a:endParaRPr lang="en-US" dirty="0"/>
+          </a:p>
+          <a:p>
+            <a:r>
+              <a:rPr lang="en-US" sz="2000" dirty="0">
+                <a:solidFill>
+                  <a:schemeClr val="accent5">
+                    <a:lumMod val="20000"/>
+                    <a:lumOff val="80000"/>
+                  </a:schemeClr>
+                </a:solidFill>
+              </a:rPr>
+              <a:t>Designed by : 	</a:t>
+            </a:r>
+            <a:r>
+              <a:rPr lang="en-US" sz="2000" dirty="0" err="1">
+                <a:solidFill>
+                  <a:schemeClr val="accent5">
+                    <a:lumMod val="20000"/>
+                    <a:lumOff val="80000"/>
+                  </a:schemeClr>
+                </a:solidFill>
+              </a:rPr>
+              <a:t>BI11</a:t>
+            </a:r>
+            <a:r>
+              <a:rPr lang="en-US" sz="2000" dirty="0">
+                <a:solidFill>
+                  <a:schemeClr val="accent5">
+                    <a:lumMod val="20000"/>
+                    <a:lumOff val="80000"/>
+                  </a:schemeClr>
+                </a:solidFill>
+              </a:rPr>
+              <a:t>-122	</a:t>
+            </a:r>
+            <a:r>
+              <a:rPr lang="en-US" sz="2000" dirty="0" err="1">
+                <a:solidFill>
+                  <a:schemeClr val="accent5">
+                    <a:lumMod val="20000"/>
+                    <a:lumOff val="80000"/>
+                  </a:schemeClr>
+                </a:solidFill>
+              </a:rPr>
+              <a:t>Nguyễn</a:t>
+            </a:r>
+            <a:r>
+              <a:rPr lang="en-US" sz="2000" dirty="0">
+                <a:solidFill>
+                  <a:schemeClr val="accent5">
+                    <a:lumMod val="20000"/>
+                    <a:lumOff val="80000"/>
+                  </a:schemeClr>
+                </a:solidFill>
+              </a:rPr>
+              <a:t> </a:t>
+            </a:r>
+            <a:r>
+              <a:rPr lang="en-US" sz="2000" dirty="0" err="1">
+                <a:solidFill>
+                  <a:schemeClr val="accent5">
+                    <a:lumMod val="20000"/>
+                    <a:lumOff val="80000"/>
+                  </a:schemeClr>
+                </a:solidFill>
+              </a:rPr>
+              <a:t>Đăng</a:t>
+            </a:r>
+            <a:r>
+              <a:rPr lang="en-US" sz="2000" dirty="0">
+                <a:solidFill>
+                  <a:schemeClr val="accent5">
+                    <a:lumMod val="20000"/>
+                    <a:lumOff val="80000"/>
+                  </a:schemeClr>
+                </a:solidFill>
+              </a:rPr>
+              <a:t> </a:t>
+            </a:r>
+            <a:r>
+              <a:rPr lang="en-US" sz="2000" dirty="0" err="1">
+                <a:solidFill>
+                  <a:schemeClr val="accent5">
+                    <a:lumMod val="20000"/>
+                    <a:lumOff val="80000"/>
+                  </a:schemeClr>
+                </a:solidFill>
+              </a:rPr>
+              <a:t>Khoa</a:t>
+            </a:r>
+            <a:endParaRPr lang="en-US" sz="2000" dirty="0">
+              <a:solidFill>
+                <a:schemeClr val="accent5">
+                  <a:lumMod val="20000"/>
+                  <a:lumOff val="80000"/>
+                </a:schemeClr>
+              </a:solidFill>
+            </a:endParaRPr>
+          </a:p>
+          <a:p>
+            <a:r>
+              <a:rPr lang="en-US" sz="2000" dirty="0">
+                <a:solidFill>
+                  <a:schemeClr val="accent5">
+                    <a:lumMod val="20000"/>
+                    <a:lumOff val="80000"/>
+                  </a:schemeClr>
+                </a:solidFill>
+              </a:rPr>
+              <a:t>				</a:t>
+            </a:r>
+            <a:r>
+              <a:rPr lang="en-US" sz="2000" dirty="0" err="1">
+                <a:solidFill>
+                  <a:schemeClr val="accent5">
+                    <a:lumMod val="20000"/>
+                    <a:lumOff val="80000"/>
+                  </a:schemeClr>
+                </a:solidFill>
+              </a:rPr>
+              <a:t>BI11</a:t>
+            </a:r>
+            <a:r>
+              <a:rPr lang="en-US" sz="2000" dirty="0">
+                <a:solidFill>
+                  <a:schemeClr val="accent5">
+                    <a:lumMod val="20000"/>
+                    <a:lumOff val="80000"/>
+                  </a:schemeClr>
+                </a:solidFill>
+              </a:rPr>
+              <a:t>-074	</a:t>
+            </a:r>
+            <a:r>
+              <a:rPr lang="en-US" sz="2000" dirty="0" err="1">
+                <a:solidFill>
+                  <a:schemeClr val="accent5">
+                    <a:lumMod val="20000"/>
+                    <a:lumOff val="80000"/>
+                  </a:schemeClr>
+                </a:solidFill>
+              </a:rPr>
+              <a:t>Phạm</a:t>
+            </a:r>
+            <a:r>
+              <a:rPr lang="en-US" sz="2000" dirty="0">
+                <a:solidFill>
+                  <a:schemeClr val="accent5">
+                    <a:lumMod val="20000"/>
+                    <a:lumOff val="80000"/>
+                  </a:schemeClr>
+                </a:solidFill>
+              </a:rPr>
+              <a:t> </a:t>
+            </a:r>
+            <a:r>
+              <a:rPr lang="en-US" sz="2000" dirty="0" err="1">
+                <a:solidFill>
+                  <a:schemeClr val="accent5">
+                    <a:lumMod val="20000"/>
+                    <a:lumOff val="80000"/>
+                  </a:schemeClr>
+                </a:solidFill>
+              </a:rPr>
+              <a:t>Vũ</a:t>
+            </a:r>
+            <a:r>
+              <a:rPr lang="en-US" sz="2000" dirty="0">
+                <a:solidFill>
+                  <a:schemeClr val="accent5">
+                    <a:lumMod val="20000"/>
+                    <a:lumOff val="80000"/>
+                  </a:schemeClr>
+                </a:solidFill>
+              </a:rPr>
+              <a:t> </a:t>
+            </a:r>
+            <a:r>
+              <a:rPr lang="en-US" sz="2000" dirty="0" err="1">
+                <a:solidFill>
+                  <a:schemeClr val="accent5">
+                    <a:lumMod val="20000"/>
+                    <a:lumOff val="80000"/>
+                  </a:schemeClr>
+                </a:solidFill>
+              </a:rPr>
+              <a:t>Hải</a:t>
+            </a:r>
+            <a:endParaRPr lang="en-US" sz="2000" dirty="0">
+              <a:solidFill>
+                <a:schemeClr val="accent5">
+                  <a:lumMod val="20000"/>
+                  <a:lumOff val="80000"/>
+                </a:schemeClr>
+              </a:solidFill>
+            </a:endParaRPr>
+          </a:p>
+          <a:p>
+            <a:r>
+              <a:rPr lang="en-US" sz="2000" dirty="0">
+                <a:solidFill>
+                  <a:schemeClr val="accent5">
+                    <a:lumMod val="20000"/>
+                    <a:lumOff val="80000"/>
+                  </a:schemeClr>
+                </a:solidFill>
+              </a:rPr>
+              <a:t>				</a:t>
+            </a:r>
+            <a:r>
+              <a:rPr lang="en-US" sz="2000" dirty="0" err="1">
+                <a:solidFill>
+                  <a:schemeClr val="accent5">
+                    <a:lumMod val="20000"/>
+                    <a:lumOff val="80000"/>
+                  </a:schemeClr>
+                </a:solidFill>
+              </a:rPr>
+              <a:t>BI11</a:t>
+            </a:r>
+            <a:r>
+              <a:rPr lang="en-US" sz="2000" dirty="0">
+                <a:solidFill>
+                  <a:schemeClr val="accent5">
+                    <a:lumMod val="20000"/>
+                    <a:lumOff val="80000"/>
+                  </a:schemeClr>
+                </a:solidFill>
+              </a:rPr>
+              <a:t>-134	</a:t>
+            </a:r>
+            <a:r>
+              <a:rPr lang="en-US" sz="2000" dirty="0" err="1">
+                <a:solidFill>
+                  <a:schemeClr val="accent5">
+                    <a:lumMod val="20000"/>
+                    <a:lumOff val="80000"/>
+                  </a:schemeClr>
+                </a:solidFill>
+              </a:rPr>
+              <a:t>Nguyễn</a:t>
+            </a:r>
+            <a:r>
+              <a:rPr lang="en-US" sz="2000" dirty="0">
+                <a:solidFill>
+                  <a:schemeClr val="accent5">
+                    <a:lumMod val="20000"/>
+                    <a:lumOff val="80000"/>
+                  </a:schemeClr>
+                </a:solidFill>
+              </a:rPr>
+              <a:t> </a:t>
+            </a:r>
+            <a:r>
+              <a:rPr lang="en-US" sz="2000" dirty="0" err="1">
+                <a:solidFill>
+                  <a:schemeClr val="accent5">
+                    <a:lumMod val="20000"/>
+                    <a:lumOff val="80000"/>
+                  </a:schemeClr>
+                </a:solidFill>
+              </a:rPr>
+              <a:t>Tùng</a:t>
+            </a:r>
+            <a:r>
+              <a:rPr lang="en-US" sz="2000" dirty="0">
+                <a:solidFill>
+                  <a:schemeClr val="accent5">
+                    <a:lumMod val="20000"/>
+                    <a:lumOff val="80000"/>
+                  </a:schemeClr>
+                </a:solidFill>
+              </a:rPr>
+              <a:t> </a:t>
+            </a:r>
+            <a:r>
+              <a:rPr lang="en-US" sz="2000" dirty="0" err="1">
+                <a:solidFill>
+                  <a:schemeClr val="accent5">
+                    <a:lumMod val="20000"/>
+                    <a:lumOff val="80000"/>
+                  </a:schemeClr>
+                </a:solidFill>
+              </a:rPr>
+              <a:t>Lâm</a:t>
+            </a:r>
+            <a:endParaRPr lang="en-US" sz="2000" dirty="0">
+              <a:solidFill>
+                <a:schemeClr val="accent5">
+                  <a:lumMod val="20000"/>
+                  <a:lumOff val="80000"/>
+                </a:schemeClr>
+              </a:solidFill>
+            </a:endParaRPr>
+          </a:p>
+          <a:p>
+            <a:r>
+              <a:rPr lang="en-US" sz="2000" dirty="0">
+                <a:solidFill>
+                  <a:schemeClr val="accent5">
+                    <a:lumMod val="20000"/>
+                    <a:lumOff val="80000"/>
+                  </a:schemeClr>
+                </a:solidFill>
+              </a:rPr>
+              <a:t>				</a:t>
+            </a:r>
+            <a:r>
+              <a:rPr lang="en-US" sz="2000" dirty="0" err="1">
+                <a:solidFill>
+                  <a:schemeClr val="accent5">
+                    <a:lumMod val="20000"/>
+                    <a:lumOff val="80000"/>
+                  </a:schemeClr>
+                </a:solidFill>
+              </a:rPr>
+              <a:t>BI11</a:t>
+            </a:r>
+            <a:r>
+              <a:rPr lang="en-US" sz="2000" dirty="0">
+                <a:solidFill>
+                  <a:schemeClr val="accent5">
+                    <a:lumMod val="20000"/>
+                    <a:lumOff val="80000"/>
+                  </a:schemeClr>
+                </a:solidFill>
+              </a:rPr>
+              <a:t>-128	</a:t>
+            </a:r>
+            <a:r>
+              <a:rPr lang="en-US" sz="2000" dirty="0" err="1">
+                <a:solidFill>
+                  <a:schemeClr val="accent5">
+                    <a:lumMod val="20000"/>
+                    <a:lumOff val="80000"/>
+                  </a:schemeClr>
+                </a:solidFill>
+              </a:rPr>
+              <a:t>Vũ</a:t>
+            </a:r>
+            <a:r>
+              <a:rPr lang="en-US" sz="2000" dirty="0">
+                <a:solidFill>
+                  <a:schemeClr val="accent5">
+                    <a:lumMod val="20000"/>
+                    <a:lumOff val="80000"/>
+                  </a:schemeClr>
+                </a:solidFill>
+              </a:rPr>
+              <a:t> </a:t>
+            </a:r>
+            <a:r>
+              <a:rPr lang="en-US" sz="2000" dirty="0" err="1">
+                <a:solidFill>
+                  <a:schemeClr val="accent5">
+                    <a:lumMod val="20000"/>
+                    <a:lumOff val="80000"/>
+                  </a:schemeClr>
+                </a:solidFill>
+              </a:rPr>
+              <a:t>Đúc</a:t>
+            </a:r>
+            <a:r>
+              <a:rPr lang="en-US" sz="2000" dirty="0">
+                <a:solidFill>
+                  <a:schemeClr val="accent5">
+                    <a:lumMod val="20000"/>
+                    <a:lumOff val="80000"/>
+                  </a:schemeClr>
+                </a:solidFill>
+              </a:rPr>
+              <a:t> </a:t>
+            </a:r>
+            <a:r>
+              <a:rPr lang="en-US" sz="2000" dirty="0" err="1">
+                <a:solidFill>
+                  <a:schemeClr val="accent5">
+                    <a:lumMod val="20000"/>
+                    <a:lumOff val="80000"/>
+                  </a:schemeClr>
+                </a:solidFill>
+              </a:rPr>
+              <a:t>Kiên</a:t>
+            </a:r>
+            <a:endParaRPr lang="en-US" sz="2000" dirty="0">
+              <a:solidFill>
+                <a:schemeClr val="accent5">
+                  <a:lumMod val="20000"/>
+                  <a:lumOff val="80000"/>
+                </a:schemeClr>
+              </a:solidFill>
+            </a:endParaRPr>
+          </a:p>
+          <a:p>
+            <a:r>
+              <a:rPr lang="en-US" sz="2000" dirty="0">
+                <a:solidFill>
+                  <a:schemeClr val="accent5">
+                    <a:lumMod val="20000"/>
+                    <a:lumOff val="80000"/>
+                  </a:schemeClr>
+                </a:solidFill>
+              </a:rPr>
+              <a:t>				</a:t>
+            </a:r>
+            <a:r>
+              <a:rPr lang="en-US" sz="2000" dirty="0" err="1">
+                <a:solidFill>
+                  <a:schemeClr val="accent5">
+                    <a:lumMod val="20000"/>
+                    <a:lumOff val="80000"/>
+                  </a:schemeClr>
+                </a:solidFill>
+              </a:rPr>
+              <a:t>BI11</a:t>
+            </a:r>
+            <a:r>
+              <a:rPr lang="en-US" sz="2000" dirty="0">
+                <a:solidFill>
+                  <a:schemeClr val="accent5">
+                    <a:lumMod val="20000"/>
+                    <a:lumOff val="80000"/>
+                  </a:schemeClr>
+                </a:solidFill>
+              </a:rPr>
+              <a:t>-205	Tạ Đình Thái </a:t>
+            </a:r>
+            <a:r>
+              <a:rPr lang="en-US" sz="2000" dirty="0" err="1">
+                <a:solidFill>
+                  <a:schemeClr val="accent5">
+                    <a:lumMod val="20000"/>
+                    <a:lumOff val="80000"/>
+                  </a:schemeClr>
+                </a:solidFill>
+              </a:rPr>
+              <a:t>Nhân</a:t>
+            </a:r>
+            <a:endParaRPr lang="en-US" sz="2000" dirty="0">
+              <a:solidFill>
+                <a:schemeClr val="accent5">
+                  <a:lumMod val="20000"/>
+                  <a:lumOff val="80000"/>
+                </a:schemeClr>
+              </a:solidFill>
+            </a:endParaRPr>
+          </a:p>
+          <a:p>
+            <a:endParaRPr lang="en-US" dirty="0"/>
+          </a:p>
+          <a:p>
+            <a:endParaRPr lang="en-US" dirty="0"/>
+          </a:p>
+          <a:p>
+            <a:endParaRPr lang="en-US" dirty="0"/>
+          </a:p>
+          <a:p>
+            <a:endParaRPr lang="en-US" dirty="0"/>
+          </a:p>
+          <a:p>
+            <a:endParaRPr lang="en-US" dirty="0"/>
+          </a:p>
+          <a:p>
+            <a:endParaRPr lang="en-US" dirty="0"/>
+          </a:p>
+          <a:p>
+            <a:endParaRPr lang="en-US" dirty="0"/>
+          </a:p>
+          <a:p>
+            <a:endParaRPr lang="en-US" dirty="0"/>
+          </a:p>
+          <a:p>
+            <a:endParaRPr lang="en-US" dirty="0"/>
+          </a:p>
+          <a:p>
+            <a:endParaRPr lang="en-US" dirty="0"/>
+          </a:p>
+          <a:p>
+            <a:endParaRPr lang="en-US" dirty="0"/>
+          </a:p>
+          <a:p>
+            <a:endParaRPr lang="en-US" dirty="0"/>
+          </a:p>
+          <a:p>
+            <a:endParaRPr lang="en-US" dirty="0"/>
+          </a:p>
+          <a:p>
+            <a:endParaRPr lang="en-US" dirty="0"/>
+          </a:p>
+        </p:txBody>
+      </p:sp>
       <p:pic>
         <p:nvPicPr>
-          <p:cNvPr id="1028" name="Picture 4" descr="RN Estudio Vipeerath Cobra Demon Snake Monster - Etsy"/>
+          <p:cNvPr id="1026" name="Picture 2" descr="Snake Cube Game">
+            <a:extLst>
+              <a:ext uri="{FF2B5EF4-FFF2-40B4-BE49-F238E27FC236}">
+                <a16:creationId xmlns:a16="http://schemas.microsoft.com/office/drawing/2014/main" id="{2C946825-FB9A-8BD5-CB05-D76B482C63BD}"/>
+              </a:ext>
+            </a:extLst>
+          </p:cNvPr>
           <p:cNvPicPr>
             <a:picLocks noChangeAspect="1" noChangeArrowheads="1"/>
           </p:cNvPicPr>
@@ -6121,8 +6664,8 @@
         </p:blipFill>
         <p:spPr bwMode="auto">
           <a:xfrm>
-            <a:off x="6082286" y="0"/>
-            <a:ext cx="6109714" cy="6816857"/>
+            <a:off x="6096000" y="1651518"/>
+            <a:ext cx="5662220" cy="4164376"/>
           </a:xfrm>
           <a:prstGeom prst="rect">
             <a:avLst/>
@@ -6137,554 +6680,6 @@
               </a14:hiddenFill>
             </a:ext>
           </a:extLst>
-        </p:spPr>
-      </p:pic>
-      <p:sp>
-        <p:nvSpPr>
-          <p:cNvPr id="4" name="TextBox 3"/>
-          <p:cNvSpPr txBox="1"/>
-          <p:nvPr/>
-        </p:nvSpPr>
-        <p:spPr>
-          <a:xfrm>
-            <a:off x="149290" y="345233"/>
-            <a:ext cx="5822302" cy="6894195"/>
-          </a:xfrm>
-          <a:prstGeom prst="rect">
-            <a:avLst/>
-          </a:prstGeom>
-          <a:noFill/>
-        </p:spPr>
-        <p:txBody>
-          <a:bodyPr wrap="square" rtlCol="0">
-            <a:spAutoFit/>
-          </a:bodyPr>
-          <a:lstStyle/>
-          <a:p>
-            <a:pPr algn="ctr"/>
-            <a:r>
-              <a:rPr lang="en-US" sz="5400" dirty="0"/>
-              <a:t>3D Snake Game</a:t>
-            </a:r>
-          </a:p>
-          <a:p>
-            <a:endParaRPr lang="en-US" dirty="0"/>
-          </a:p>
-          <a:p>
-            <a:endParaRPr lang="en-US" dirty="0"/>
-          </a:p>
-          <a:p>
-            <a:r>
-              <a:rPr lang="en-US" sz="2000" dirty="0">
-                <a:solidFill>
-                  <a:schemeClr val="accent5">
-                    <a:lumMod val="20000"/>
-                    <a:lumOff val="80000"/>
-                  </a:schemeClr>
-                </a:solidFill>
-              </a:rPr>
-              <a:t>Designed by : 	</a:t>
-            </a:r>
-            <a:r>
-              <a:rPr lang="en-US" sz="2000" dirty="0" err="1">
-                <a:solidFill>
-                  <a:schemeClr val="accent5">
-                    <a:lumMod val="20000"/>
-                    <a:lumOff val="80000"/>
-                  </a:schemeClr>
-                </a:solidFill>
-              </a:rPr>
-              <a:t>BI11</a:t>
-            </a:r>
-            <a:r>
-              <a:rPr lang="en-US" sz="2000" dirty="0">
-                <a:solidFill>
-                  <a:schemeClr val="accent5">
-                    <a:lumMod val="20000"/>
-                    <a:lumOff val="80000"/>
-                  </a:schemeClr>
-                </a:solidFill>
-              </a:rPr>
-              <a:t>-122	</a:t>
-            </a:r>
-            <a:r>
-              <a:rPr lang="en-US" sz="2000" dirty="0" err="1">
-                <a:solidFill>
-                  <a:schemeClr val="accent5">
-                    <a:lumMod val="20000"/>
-                    <a:lumOff val="80000"/>
-                  </a:schemeClr>
-                </a:solidFill>
-              </a:rPr>
-              <a:t>Nguyễn</a:t>
-            </a:r>
-            <a:r>
-              <a:rPr lang="en-US" sz="2000" dirty="0">
-                <a:solidFill>
-                  <a:schemeClr val="accent5">
-                    <a:lumMod val="20000"/>
-                    <a:lumOff val="80000"/>
-                  </a:schemeClr>
-                </a:solidFill>
-              </a:rPr>
-              <a:t> </a:t>
-            </a:r>
-            <a:r>
-              <a:rPr lang="en-US" sz="2000" dirty="0" err="1">
-                <a:solidFill>
-                  <a:schemeClr val="accent5">
-                    <a:lumMod val="20000"/>
-                    <a:lumOff val="80000"/>
-                  </a:schemeClr>
-                </a:solidFill>
-              </a:rPr>
-              <a:t>Đăng</a:t>
-            </a:r>
-            <a:r>
-              <a:rPr lang="en-US" sz="2000" dirty="0">
-                <a:solidFill>
-                  <a:schemeClr val="accent5">
-                    <a:lumMod val="20000"/>
-                    <a:lumOff val="80000"/>
-                  </a:schemeClr>
-                </a:solidFill>
-              </a:rPr>
-              <a:t> </a:t>
-            </a:r>
-            <a:r>
-              <a:rPr lang="en-US" sz="2000" dirty="0" err="1">
-                <a:solidFill>
-                  <a:schemeClr val="accent5">
-                    <a:lumMod val="20000"/>
-                    <a:lumOff val="80000"/>
-                  </a:schemeClr>
-                </a:solidFill>
-              </a:rPr>
-              <a:t>Khoa</a:t>
-            </a:r>
-            <a:endParaRPr lang="en-US" sz="2000" dirty="0">
-              <a:solidFill>
-                <a:schemeClr val="accent5">
-                  <a:lumMod val="20000"/>
-                  <a:lumOff val="80000"/>
-                </a:schemeClr>
-              </a:solidFill>
-            </a:endParaRPr>
-          </a:p>
-          <a:p>
-            <a:r>
-              <a:rPr lang="en-US" sz="2000" dirty="0">
-                <a:solidFill>
-                  <a:schemeClr val="accent5">
-                    <a:lumMod val="20000"/>
-                    <a:lumOff val="80000"/>
-                  </a:schemeClr>
-                </a:solidFill>
-              </a:rPr>
-              <a:t>				</a:t>
-            </a:r>
-            <a:r>
-              <a:rPr lang="en-US" sz="2000" dirty="0" err="1">
-                <a:solidFill>
-                  <a:schemeClr val="accent5">
-                    <a:lumMod val="20000"/>
-                    <a:lumOff val="80000"/>
-                  </a:schemeClr>
-                </a:solidFill>
-              </a:rPr>
-              <a:t>BI11</a:t>
-            </a:r>
-            <a:r>
-              <a:rPr lang="en-US" sz="2000" dirty="0">
-                <a:solidFill>
-                  <a:schemeClr val="accent5">
-                    <a:lumMod val="20000"/>
-                    <a:lumOff val="80000"/>
-                  </a:schemeClr>
-                </a:solidFill>
-              </a:rPr>
-              <a:t>-074	</a:t>
-            </a:r>
-            <a:r>
-              <a:rPr lang="en-US" sz="2000" dirty="0" err="1">
-                <a:solidFill>
-                  <a:schemeClr val="accent5">
-                    <a:lumMod val="20000"/>
-                    <a:lumOff val="80000"/>
-                  </a:schemeClr>
-                </a:solidFill>
-              </a:rPr>
-              <a:t>Phạm</a:t>
-            </a:r>
-            <a:r>
-              <a:rPr lang="en-US" sz="2000" dirty="0">
-                <a:solidFill>
-                  <a:schemeClr val="accent5">
-                    <a:lumMod val="20000"/>
-                    <a:lumOff val="80000"/>
-                  </a:schemeClr>
-                </a:solidFill>
-              </a:rPr>
-              <a:t> </a:t>
-            </a:r>
-            <a:r>
-              <a:rPr lang="en-US" sz="2000" dirty="0" err="1">
-                <a:solidFill>
-                  <a:schemeClr val="accent5">
-                    <a:lumMod val="20000"/>
-                    <a:lumOff val="80000"/>
-                  </a:schemeClr>
-                </a:solidFill>
-              </a:rPr>
-              <a:t>Vũ</a:t>
-            </a:r>
-            <a:r>
-              <a:rPr lang="en-US" sz="2000" dirty="0">
-                <a:solidFill>
-                  <a:schemeClr val="accent5">
-                    <a:lumMod val="20000"/>
-                    <a:lumOff val="80000"/>
-                  </a:schemeClr>
-                </a:solidFill>
-              </a:rPr>
-              <a:t> </a:t>
-            </a:r>
-            <a:r>
-              <a:rPr lang="en-US" sz="2000" dirty="0" err="1">
-                <a:solidFill>
-                  <a:schemeClr val="accent5">
-                    <a:lumMod val="20000"/>
-                    <a:lumOff val="80000"/>
-                  </a:schemeClr>
-                </a:solidFill>
-              </a:rPr>
-              <a:t>Hải</a:t>
-            </a:r>
-            <a:endParaRPr lang="en-US" sz="2000" dirty="0">
-              <a:solidFill>
-                <a:schemeClr val="accent5">
-                  <a:lumMod val="20000"/>
-                  <a:lumOff val="80000"/>
-                </a:schemeClr>
-              </a:solidFill>
-            </a:endParaRPr>
-          </a:p>
-          <a:p>
-            <a:r>
-              <a:rPr lang="en-US" sz="2000" dirty="0">
-                <a:solidFill>
-                  <a:schemeClr val="accent5">
-                    <a:lumMod val="20000"/>
-                    <a:lumOff val="80000"/>
-                  </a:schemeClr>
-                </a:solidFill>
-              </a:rPr>
-              <a:t>				</a:t>
-            </a:r>
-            <a:r>
-              <a:rPr lang="en-US" sz="2000" dirty="0" err="1">
-                <a:solidFill>
-                  <a:schemeClr val="accent5">
-                    <a:lumMod val="20000"/>
-                    <a:lumOff val="80000"/>
-                  </a:schemeClr>
-                </a:solidFill>
-              </a:rPr>
-              <a:t>BI11</a:t>
-            </a:r>
-            <a:r>
-              <a:rPr lang="en-US" sz="2000" dirty="0">
-                <a:solidFill>
-                  <a:schemeClr val="accent5">
-                    <a:lumMod val="20000"/>
-                    <a:lumOff val="80000"/>
-                  </a:schemeClr>
-                </a:solidFill>
-              </a:rPr>
-              <a:t>-134	</a:t>
-            </a:r>
-            <a:r>
-              <a:rPr lang="en-US" sz="2000" dirty="0" err="1">
-                <a:solidFill>
-                  <a:schemeClr val="accent5">
-                    <a:lumMod val="20000"/>
-                    <a:lumOff val="80000"/>
-                  </a:schemeClr>
-                </a:solidFill>
-              </a:rPr>
-              <a:t>Nguyễn</a:t>
-            </a:r>
-            <a:r>
-              <a:rPr lang="en-US" sz="2000" dirty="0">
-                <a:solidFill>
-                  <a:schemeClr val="accent5">
-                    <a:lumMod val="20000"/>
-                    <a:lumOff val="80000"/>
-                  </a:schemeClr>
-                </a:solidFill>
-              </a:rPr>
-              <a:t> </a:t>
-            </a:r>
-            <a:r>
-              <a:rPr lang="en-US" sz="2000" dirty="0" err="1">
-                <a:solidFill>
-                  <a:schemeClr val="accent5">
-                    <a:lumMod val="20000"/>
-                    <a:lumOff val="80000"/>
-                  </a:schemeClr>
-                </a:solidFill>
-              </a:rPr>
-              <a:t>Tùng</a:t>
-            </a:r>
-            <a:r>
-              <a:rPr lang="en-US" sz="2000" dirty="0">
-                <a:solidFill>
-                  <a:schemeClr val="accent5">
-                    <a:lumMod val="20000"/>
-                    <a:lumOff val="80000"/>
-                  </a:schemeClr>
-                </a:solidFill>
-              </a:rPr>
-              <a:t> </a:t>
-            </a:r>
-            <a:r>
-              <a:rPr lang="en-US" sz="2000" dirty="0" err="1">
-                <a:solidFill>
-                  <a:schemeClr val="accent5">
-                    <a:lumMod val="20000"/>
-                    <a:lumOff val="80000"/>
-                  </a:schemeClr>
-                </a:solidFill>
-              </a:rPr>
-              <a:t>Lâm</a:t>
-            </a:r>
-            <a:endParaRPr lang="en-US" sz="2000" dirty="0">
-              <a:solidFill>
-                <a:schemeClr val="accent5">
-                  <a:lumMod val="20000"/>
-                  <a:lumOff val="80000"/>
-                </a:schemeClr>
-              </a:solidFill>
-            </a:endParaRPr>
-          </a:p>
-          <a:p>
-            <a:r>
-              <a:rPr lang="en-US" sz="2000" dirty="0">
-                <a:solidFill>
-                  <a:schemeClr val="accent5">
-                    <a:lumMod val="20000"/>
-                    <a:lumOff val="80000"/>
-                  </a:schemeClr>
-                </a:solidFill>
-              </a:rPr>
-              <a:t>				</a:t>
-            </a:r>
-            <a:r>
-              <a:rPr lang="en-US" sz="2000" dirty="0" err="1">
-                <a:solidFill>
-                  <a:schemeClr val="accent5">
-                    <a:lumMod val="20000"/>
-                    <a:lumOff val="80000"/>
-                  </a:schemeClr>
-                </a:solidFill>
-              </a:rPr>
-              <a:t>BI11</a:t>
-            </a:r>
-            <a:r>
-              <a:rPr lang="en-US" sz="2000" dirty="0">
-                <a:solidFill>
-                  <a:schemeClr val="accent5">
-                    <a:lumMod val="20000"/>
-                    <a:lumOff val="80000"/>
-                  </a:schemeClr>
-                </a:solidFill>
-              </a:rPr>
-              <a:t>-128	</a:t>
-            </a:r>
-            <a:r>
-              <a:rPr lang="en-US" sz="2000" dirty="0" err="1">
-                <a:solidFill>
-                  <a:schemeClr val="accent5">
-                    <a:lumMod val="20000"/>
-                    <a:lumOff val="80000"/>
-                  </a:schemeClr>
-                </a:solidFill>
-              </a:rPr>
-              <a:t>Vũ</a:t>
-            </a:r>
-            <a:r>
-              <a:rPr lang="en-US" sz="2000" dirty="0">
-                <a:solidFill>
-                  <a:schemeClr val="accent5">
-                    <a:lumMod val="20000"/>
-                    <a:lumOff val="80000"/>
-                  </a:schemeClr>
-                </a:solidFill>
-              </a:rPr>
-              <a:t> </a:t>
-            </a:r>
-            <a:r>
-              <a:rPr lang="en-US" sz="2000" dirty="0" err="1">
-                <a:solidFill>
-                  <a:schemeClr val="accent5">
-                    <a:lumMod val="20000"/>
-                    <a:lumOff val="80000"/>
-                  </a:schemeClr>
-                </a:solidFill>
-              </a:rPr>
-              <a:t>Đúc</a:t>
-            </a:r>
-            <a:r>
-              <a:rPr lang="en-US" sz="2000" dirty="0">
-                <a:solidFill>
-                  <a:schemeClr val="accent5">
-                    <a:lumMod val="20000"/>
-                    <a:lumOff val="80000"/>
-                  </a:schemeClr>
-                </a:solidFill>
-              </a:rPr>
-              <a:t> </a:t>
-            </a:r>
-            <a:r>
-              <a:rPr lang="en-US" sz="2000" dirty="0" err="1">
-                <a:solidFill>
-                  <a:schemeClr val="accent5">
-                    <a:lumMod val="20000"/>
-                    <a:lumOff val="80000"/>
-                  </a:schemeClr>
-                </a:solidFill>
-              </a:rPr>
-              <a:t>Kiên</a:t>
-            </a:r>
-            <a:endParaRPr lang="en-US" sz="2000" dirty="0">
-              <a:solidFill>
-                <a:schemeClr val="accent5">
-                  <a:lumMod val="20000"/>
-                  <a:lumOff val="80000"/>
-                </a:schemeClr>
-              </a:solidFill>
-            </a:endParaRPr>
-          </a:p>
-          <a:p>
-            <a:r>
-              <a:rPr lang="en-US" sz="2000" dirty="0">
-                <a:solidFill>
-                  <a:schemeClr val="accent5">
-                    <a:lumMod val="20000"/>
-                    <a:lumOff val="80000"/>
-                  </a:schemeClr>
-                </a:solidFill>
-              </a:rPr>
-              <a:t>				</a:t>
-            </a:r>
-            <a:r>
-              <a:rPr lang="en-US" sz="2000" dirty="0" err="1">
-                <a:solidFill>
-                  <a:schemeClr val="accent5">
-                    <a:lumMod val="20000"/>
-                    <a:lumOff val="80000"/>
-                  </a:schemeClr>
-                </a:solidFill>
-              </a:rPr>
-              <a:t>BI11</a:t>
-            </a:r>
-            <a:r>
-              <a:rPr lang="en-US" sz="2000" dirty="0">
-                <a:solidFill>
-                  <a:schemeClr val="accent5">
-                    <a:lumMod val="20000"/>
-                    <a:lumOff val="80000"/>
-                  </a:schemeClr>
-                </a:solidFill>
-              </a:rPr>
-              <a:t>-205	Tạ Đình Thái </a:t>
-            </a:r>
-            <a:r>
-              <a:rPr lang="en-US" sz="2000" dirty="0" err="1">
-                <a:solidFill>
-                  <a:schemeClr val="accent5">
-                    <a:lumMod val="20000"/>
-                    <a:lumOff val="80000"/>
-                  </a:schemeClr>
-                </a:solidFill>
-              </a:rPr>
-              <a:t>Nhân</a:t>
-            </a:r>
-            <a:endParaRPr lang="en-US" sz="2000" dirty="0">
-              <a:solidFill>
-                <a:schemeClr val="accent5">
-                  <a:lumMod val="20000"/>
-                  <a:lumOff val="80000"/>
-                </a:schemeClr>
-              </a:solidFill>
-            </a:endParaRPr>
-          </a:p>
-          <a:p>
-            <a:endParaRPr lang="en-US" dirty="0"/>
-          </a:p>
-          <a:p>
-            <a:endParaRPr lang="en-US" dirty="0"/>
-          </a:p>
-          <a:p>
-            <a:endParaRPr lang="en-US" dirty="0"/>
-          </a:p>
-          <a:p>
-            <a:endParaRPr lang="en-US" dirty="0"/>
-          </a:p>
-          <a:p>
-            <a:endParaRPr lang="en-US" dirty="0"/>
-          </a:p>
-          <a:p>
-            <a:endParaRPr lang="en-US" dirty="0"/>
-          </a:p>
-          <a:p>
-            <a:endParaRPr lang="en-US" dirty="0"/>
-          </a:p>
-          <a:p>
-            <a:endParaRPr lang="en-US" dirty="0"/>
-          </a:p>
-          <a:p>
-            <a:endParaRPr lang="en-US" dirty="0"/>
-          </a:p>
-          <a:p>
-            <a:endParaRPr lang="en-US" dirty="0"/>
-          </a:p>
-          <a:p>
-            <a:endParaRPr lang="en-US" dirty="0"/>
-          </a:p>
-          <a:p>
-            <a:endParaRPr lang="en-US" dirty="0"/>
-          </a:p>
-          <a:p>
-            <a:endParaRPr lang="en-US" dirty="0"/>
-          </a:p>
-          <a:p>
-            <a:endParaRPr lang="en-US" dirty="0"/>
-          </a:p>
-        </p:txBody>
-      </p:sp>
-      <p:pic>
-        <p:nvPicPr>
-          <p:cNvPr id="5" name="Picture 4"/>
-          <p:cNvPicPr>
-            <a:picLocks noChangeAspect="1"/>
-          </p:cNvPicPr>
-          <p:nvPr/>
-        </p:nvPicPr>
-        <p:blipFill>
-          <a:blip r:embed="rId3"/>
-          <a:stretch>
-            <a:fillRect/>
-          </a:stretch>
-        </p:blipFill>
-        <p:spPr>
-          <a:xfrm>
-            <a:off x="271157" y="3340359"/>
-            <a:ext cx="5578567" cy="3476498"/>
-          </a:xfrm>
-          <a:prstGeom prst="rect">
-            <a:avLst/>
-          </a:prstGeom>
         </p:spPr>
       </p:pic>
     </p:spTree>
@@ -6797,7 +6792,7 @@
         <p:spPr>
           <a:xfrm>
             <a:off x="360727" y="1996580"/>
-            <a:ext cx="3523376" cy="1200329"/>
+            <a:ext cx="3523376" cy="1477328"/>
           </a:xfrm>
           <a:prstGeom prst="rect">
             <a:avLst/>
@@ -6824,8 +6819,11 @@
             </a:r>
             <a:r>
               <a:rPr lang="en-US" dirty="0"/>
-              <a:t>, </a:t>
-            </a:r>
+              <a:t>.</a:t>
+            </a:r>
+          </a:p>
+          <a:p>
+            <a:endParaRPr lang="en-US" dirty="0"/>
           </a:p>
           <a:p>
             <a:pPr marL="285750" indent="-285750">
@@ -6834,13 +6832,8 @@
             </a:pPr>
             <a:r>
               <a:rPr lang="en-US" dirty="0"/>
-              <a:t>A popular JavaScript library for creating 3D graphics in web </a:t>
-            </a:r>
-            <a:r>
-              <a:rPr lang="en-US" dirty="0" err="1"/>
-              <a:t>applicatiom</a:t>
-            </a:r>
-            <a:endParaRPr lang="en-US" dirty="0"/>
+              <a:t>A popular JavaScript library for creating 3D graphics in web application.</a:t>
+            </a:r>
           </a:p>
         </p:txBody>
       </p:sp>
@@ -6923,16 +6916,12 @@
             </a:r>
           </a:p>
           <a:p>
-            <a:endParaRPr lang="en-US" dirty="0"/>
-          </a:p>
-          <a:p>
-            <a:pPr>
-              <a:buFontTx/>
-              <a:buChar char="-"/>
+            <a:pPr marL="0" indent="0">
+              <a:buNone/>
             </a:pPr>
             <a:r>
               <a:rPr lang="en-US" dirty="0"/>
-              <a:t>a 3D environment with a cube-shaped play area</a:t>
+              <a:t>A 3D environment with a cube-shaped play area</a:t>
             </a:r>
           </a:p>
           <a:p>
@@ -6945,16 +6934,9 @@
             <a:pPr marL="0" indent="0">
               <a:buNone/>
             </a:pPr>
-            <a:endParaRPr lang="en-US" dirty="0"/>
-          </a:p>
-          <a:p>
-            <a:pPr>
-              <a:buFontTx/>
-              <a:buChar char="-"/>
-            </a:pPr>
             <a:r>
               <a:rPr lang="en-US" dirty="0"/>
-              <a:t>a snake that moves through the cube</a:t>
+              <a:t>A snake that moves through the cube</a:t>
             </a:r>
           </a:p>
           <a:p>
@@ -6967,141 +6949,41 @@
             <a:pPr marL="0" indent="0">
               <a:buNone/>
             </a:pPr>
-            <a:endParaRPr lang="en-US" dirty="0"/>
-          </a:p>
-          <a:p>
-            <a:pPr>
-              <a:buFontTx/>
-              <a:buChar char="-"/>
-            </a:pPr>
             <a:r>
               <a:rPr lang="en-US" dirty="0"/>
-              <a:t>an apple that the snake tries to eat</a:t>
+              <a:t>An apple that the snake tries to eat</a:t>
             </a:r>
           </a:p>
         </p:txBody>
       </p:sp>
       <p:pic>
         <p:nvPicPr>
-          <p:cNvPr id="3074" name="Picture 2" descr="javascript - Cube of Cubes in Three.JS - Stack Overflow"/>
+          <p:cNvPr id="7" name="Picture 6">
+            <a:extLst>
+              <a:ext uri="{FF2B5EF4-FFF2-40B4-BE49-F238E27FC236}">
+                <a16:creationId xmlns:a16="http://schemas.microsoft.com/office/drawing/2014/main" id="{99A247FC-19D2-E0EC-95A6-7CCFD9518278}"/>
+              </a:ext>
+            </a:extLst>
+          </p:cNvPr>
           <p:cNvPicPr>
-            <a:picLocks noChangeAspect="1" noChangeArrowheads="1"/>
+            <a:picLocks noChangeAspect="1"/>
           </p:cNvPicPr>
           <p:nvPr/>
         </p:nvPicPr>
         <p:blipFill>
-          <a:blip r:embed="rId2" cstate="print">
-            <a:extLst>
-              <a:ext uri="{28A0092B-C50C-407E-A947-70E740481C1C}">
-                <a14:useLocalDpi xmlns:a14="http://schemas.microsoft.com/office/drawing/2010/main" val="0"/>
-              </a:ext>
-            </a:extLst>
-          </a:blip>
-          <a:srcRect/>
+          <a:blip r:embed="rId2"/>
           <a:stretch>
             <a:fillRect/>
           </a:stretch>
         </p:blipFill>
-        <p:spPr bwMode="auto">
+        <p:spPr>
           <a:xfrm>
-            <a:off x="7961546" y="1605933"/>
-            <a:ext cx="2200275" cy="1583055"/>
+            <a:off x="6924194" y="3072895"/>
+            <a:ext cx="4164494" cy="3175504"/>
           </a:xfrm>
           <a:prstGeom prst="rect">
             <a:avLst/>
           </a:prstGeom>
-          <a:noFill/>
-          <a:extLst>
-            <a:ext uri="{909E8E84-426E-40DD-AFC4-6F175D3DCCD1}">
-              <a14:hiddenFill xmlns:a14="http://schemas.microsoft.com/office/drawing/2010/main">
-                <a:solidFill>
-                  <a:srgbClr val="FFFFFF"/>
-                </a:solidFill>
-              </a14:hiddenFill>
-            </a:ext>
-          </a:extLst>
-        </p:spPr>
-      </p:pic>
-      <p:pic>
-        <p:nvPicPr>
-          <p:cNvPr id="3076" name="Picture 4" descr="Premium Vector | Green funny snake"/>
-          <p:cNvPicPr>
-            <a:picLocks noChangeAspect="1" noChangeArrowheads="1"/>
-          </p:cNvPicPr>
-          <p:nvPr/>
-        </p:nvPicPr>
-        <p:blipFill>
-          <a:blip r:embed="rId3" cstate="print">
-            <a:extLst>
-              <a:ext uri="{28A0092B-C50C-407E-A947-70E740481C1C}">
-                <a14:useLocalDpi xmlns:a14="http://schemas.microsoft.com/office/drawing/2010/main" val="0"/>
-              </a:ext>
-            </a:extLst>
-          </a:blip>
-          <a:srcRect/>
-          <a:stretch>
-            <a:fillRect/>
-          </a:stretch>
-        </p:blipFill>
-        <p:spPr bwMode="auto">
-          <a:xfrm>
-            <a:off x="7961546" y="3388658"/>
-            <a:ext cx="1524000" cy="1524000"/>
-          </a:xfrm>
-          <a:prstGeom prst="rect">
-            <a:avLst/>
-          </a:prstGeom>
-          <a:noFill/>
-          <a:extLst>
-            <a:ext uri="{909E8E84-426E-40DD-AFC4-6F175D3DCCD1}">
-              <a14:hiddenFill xmlns:a14="http://schemas.microsoft.com/office/drawing/2010/main">
-                <a:solidFill>
-                  <a:srgbClr val="FFFFFF"/>
-                </a:solidFill>
-              </a14:hiddenFill>
-            </a:ext>
-          </a:extLst>
-        </p:spPr>
-      </p:pic>
-      <p:pic>
-        <p:nvPicPr>
-          <p:cNvPr id="3080" name="Picture 8" descr="A Picture Of Honeycrisp Apple Cartoon Mascot Character As Cruel Devil  Royalty Free SVG, Cliparts, Vectors, And Stock Illustration. Image  142444735."/>
-          <p:cNvPicPr>
-            <a:picLocks noChangeAspect="1" noChangeArrowheads="1"/>
-          </p:cNvPicPr>
-          <p:nvPr/>
-        </p:nvPicPr>
-        <p:blipFill>
-          <a:blip r:embed="rId4" cstate="print">
-            <a:extLst>
-              <a:ext uri="{28A0092B-C50C-407E-A947-70E740481C1C}">
-                <a14:useLocalDpi xmlns:a14="http://schemas.microsoft.com/office/drawing/2010/main" val="0"/>
-              </a:ext>
-            </a:extLst>
-          </a:blip>
-          <a:srcRect/>
-          <a:stretch>
-            <a:fillRect/>
-          </a:stretch>
-        </p:blipFill>
-        <p:spPr bwMode="auto">
-          <a:xfrm>
-            <a:off x="7961546" y="5112328"/>
-            <a:ext cx="1651000" cy="1651000"/>
-          </a:xfrm>
-          <a:prstGeom prst="rect">
-            <a:avLst/>
-          </a:prstGeom>
-          <a:noFill/>
-          <a:extLst>
-            <a:ext uri="{909E8E84-426E-40DD-AFC4-6F175D3DCCD1}">
-              <a14:hiddenFill xmlns:a14="http://schemas.microsoft.com/office/drawing/2010/main">
-                <a:solidFill>
-                  <a:srgbClr val="FFFFFF"/>
-                </a:solidFill>
-              </a14:hiddenFill>
-            </a:ext>
-          </a:extLst>
         </p:spPr>
       </p:pic>
     </p:spTree>
@@ -7249,8 +7131,8 @@
         </p:blipFill>
         <p:spPr>
           <a:xfrm>
-            <a:off x="7873648" y="1683027"/>
-            <a:ext cx="2177186" cy="1400529"/>
+            <a:off x="7771616" y="2224722"/>
+            <a:ext cx="2861144" cy="1840502"/>
           </a:xfrm>
           <a:prstGeom prst="rect">
             <a:avLst/>
@@ -7273,32 +7155,8 @@
         </p:blipFill>
         <p:spPr>
           <a:xfrm>
-            <a:off x="7873648" y="3377246"/>
-            <a:ext cx="2381250" cy="742950"/>
-          </a:xfrm>
-          <a:prstGeom prst="rect">
-            <a:avLst/>
-          </a:prstGeom>
-        </p:spPr>
-      </p:pic>
-      <p:pic>
-        <p:nvPicPr>
-          <p:cNvPr id="6" name="Picture 5"/>
-          <p:cNvPicPr>
-            <a:picLocks noChangeAspect="1"/>
-          </p:cNvPicPr>
-          <p:nvPr/>
-        </p:nvPicPr>
-        <p:blipFill>
-          <a:blip r:embed="rId4"/>
-          <a:stretch>
-            <a:fillRect/>
-          </a:stretch>
-        </p:blipFill>
-        <p:spPr>
-          <a:xfrm>
-            <a:off x="7816561" y="4488335"/>
-            <a:ext cx="2517458" cy="2311718"/>
+            <a:off x="7771616" y="4633277"/>
+            <a:ext cx="2946228" cy="919223"/>
           </a:xfrm>
           <a:prstGeom prst="rect">
             <a:avLst/>
@@ -7381,31 +7239,13 @@
         </p:spPr>
         <p:txBody>
           <a:bodyPr>
-            <a:normAutofit fontScale="92500" lnSpcReduction="20000"/>
+            <a:normAutofit/>
           </a:bodyPr>
           <a:lstStyle/>
           <a:p>
             <a:r>
               <a:rPr lang="en-US" dirty="0"/>
               <a:t>The game uses four point lights placed at different locations around the play area</a:t>
-            </a:r>
-          </a:p>
-          <a:p>
-            <a:pPr marL="0" indent="0">
-              <a:buNone/>
-            </a:pPr>
-            <a:endParaRPr lang="en-US" dirty="0"/>
-          </a:p>
-          <a:p>
-            <a:pPr marL="0" indent="0">
-              <a:buNone/>
-            </a:pPr>
-            <a:endParaRPr lang="en-US" dirty="0"/>
-          </a:p>
-          <a:p>
-            <a:r>
-              <a:rPr lang="en-US" dirty="0"/>
-              <a:t>The game also includes a score counter that updates each time the snake eats an apple</a:t>
             </a:r>
           </a:p>
           <a:p>
@@ -7479,8 +7319,8 @@
         </p:blipFill>
         <p:spPr bwMode="auto">
           <a:xfrm>
-            <a:off x="6096000" y="1951939"/>
-            <a:ext cx="6096000" cy="3321050"/>
+            <a:off x="6509343" y="2392614"/>
+            <a:ext cx="4579344" cy="2785314"/>
           </a:xfrm>
           <a:prstGeom prst="rect">
             <a:avLst/>
@@ -7582,12 +7422,24 @@
               <a:t>The game uses the </a:t>
             </a:r>
             <a:r>
-              <a:rPr lang="en-US" dirty="0" err="1"/>
+              <a:rPr lang="en-US" dirty="0" err="1">
+                <a:solidFill>
+                  <a:srgbClr val="FF0000"/>
+                </a:solidFill>
+              </a:rPr>
               <a:t>requestAnimationFrame</a:t>
             </a:r>
             <a:r>
+              <a:rPr lang="en-US" dirty="0">
+                <a:solidFill>
+                  <a:srgbClr val="FF0000"/>
+                </a:solidFill>
+              </a:rPr>
+              <a:t>() </a:t>
+            </a:r>
+            <a:r>
               <a:rPr lang="en-US" dirty="0"/>
-              <a:t>() method to create a smooth animation loop that updates the position of the snake and apple, and checks for collisions between them.</a:t>
+              <a:t>method to create a smooth animation loop that updates the position of the snake and apple, and checks for collisions between them.</a:t>
             </a:r>
           </a:p>
           <a:p>
@@ -7615,7 +7467,13 @@
       </p:sp>
       <p:pic>
         <p:nvPicPr>
-          <p:cNvPr id="6146" name="Picture 2" descr="Python Screaming - Drawception"/>
+          <p:cNvPr id="2050" name="Picture 2" descr="3d Snake Games">
+            <a:extLst>
+              <a:ext uri="{FF2B5EF4-FFF2-40B4-BE49-F238E27FC236}">
+                <a16:creationId xmlns:a16="http://schemas.microsoft.com/office/drawing/2014/main" id="{60E61BC1-3A5E-5C7D-6052-4B002914BD8B}"/>
+              </a:ext>
+            </a:extLst>
+          </p:cNvPr>
           <p:cNvPicPr>
             <a:picLocks noChangeAspect="1" noChangeArrowheads="1"/>
           </p:cNvPicPr>
@@ -7636,49 +7494,8 @@
         </p:blipFill>
         <p:spPr bwMode="auto">
           <a:xfrm>
-            <a:off x="7259217" y="3867149"/>
-            <a:ext cx="2857500" cy="2381250"/>
-          </a:xfrm>
-          <a:prstGeom prst="rect">
-            <a:avLst/>
-          </a:prstGeom>
-          <a:noFill/>
-          <a:extLst>
-            <a:ext uri="{909E8E84-426E-40DD-AFC4-6F175D3DCCD1}">
-              <a14:hiddenFill xmlns:a14="http://schemas.microsoft.com/office/drawing/2010/main">
-                <a:solidFill>
-                  <a:srgbClr val="FFFFFF"/>
-                </a:solidFill>
-              </a14:hiddenFill>
-            </a:ext>
-          </a:extLst>
-        </p:spPr>
-      </p:pic>
-      <p:pic>
-        <p:nvPicPr>
-          <p:cNvPr id="6148" name="Picture 4" descr="440 Cartoon Snake Apple Images, Stock Photos &amp; Vectors | Shutterstock"/>
-          <p:cNvPicPr>
-            <a:picLocks noChangeAspect="1" noChangeArrowheads="1"/>
-          </p:cNvPicPr>
-          <p:nvPr/>
-        </p:nvPicPr>
-        <p:blipFill>
-          <a:blip r:embed="rId3">
-            <a:extLst>
-              <a:ext uri="{28A0092B-C50C-407E-A947-70E740481C1C}">
-                <a14:useLocalDpi xmlns:a14="http://schemas.microsoft.com/office/drawing/2010/main" val="0"/>
-              </a:ext>
-            </a:extLst>
-          </a:blip>
-          <a:srcRect/>
-          <a:stretch>
-            <a:fillRect/>
-          </a:stretch>
-        </p:blipFill>
-        <p:spPr bwMode="auto">
-          <a:xfrm>
-            <a:off x="7259217" y="1533879"/>
-            <a:ext cx="1981200" cy="2133600"/>
+            <a:off x="7259217" y="1710029"/>
+            <a:ext cx="4534053" cy="4395151"/>
           </a:xfrm>
           <a:prstGeom prst="rect">
             <a:avLst/>
@@ -8006,7 +7823,13 @@
       </p:sp>
       <p:pic>
         <p:nvPicPr>
-          <p:cNvPr id="8196" name="Picture 4" descr="Snake with Apple Painting by Markus Schnabel - Pixels"/>
+          <p:cNvPr id="3074" name="Picture 2" descr="Snake 3D – A Beginner’s Guide">
+            <a:extLst>
+              <a:ext uri="{FF2B5EF4-FFF2-40B4-BE49-F238E27FC236}">
+                <a16:creationId xmlns:a16="http://schemas.microsoft.com/office/drawing/2014/main" id="{22652929-1B51-1F21-DC8D-03688735D958}"/>
+              </a:ext>
+            </a:extLst>
+          </p:cNvPr>
           <p:cNvPicPr>
             <a:picLocks noChangeAspect="1" noChangeArrowheads="1"/>
           </p:cNvPicPr>
@@ -8026,9 +7849,9 @@
           </a:stretch>
         </p:blipFill>
         <p:spPr bwMode="auto">
-          <a:xfrm>
-            <a:off x="3955483" y="1931436"/>
-            <a:ext cx="3571875" cy="4286250"/>
+          <a:xfrm flipH="1">
+            <a:off x="3213050" y="1784733"/>
+            <a:ext cx="5056742" cy="3800819"/>
           </a:xfrm>
           <a:prstGeom prst="rect">
             <a:avLst/>
@@ -8049,6 +7872,112 @@
     <p:extLst>
       <p:ext uri="{BB962C8B-B14F-4D97-AF65-F5344CB8AC3E}">
         <p14:creationId xmlns:p14="http://schemas.microsoft.com/office/powerpoint/2010/main" val="3006104513"/>
+      </p:ext>
+    </p:extLst>
+  </p:cSld>
+  <p:clrMapOvr>
+    <a:masterClrMapping/>
+  </p:clrMapOvr>
+</p:sld>
+</file>
+
+<file path=ppt/slides/slide9.xml><?xml version="1.0" encoding="utf-8"?>
+<p:sld xmlns:a="http://schemas.openxmlformats.org/drawingml/2006/main" xmlns:r="http://schemas.openxmlformats.org/officeDocument/2006/relationships" xmlns:p="http://schemas.openxmlformats.org/presentationml/2006/main">
+  <p:cSld>
+    <p:spTree>
+      <p:nvGrpSpPr>
+        <p:cNvPr id="1" name=""/>
+        <p:cNvGrpSpPr/>
+        <p:nvPr/>
+      </p:nvGrpSpPr>
+      <p:grpSpPr>
+        <a:xfrm>
+          <a:off x="0" y="0"/>
+          <a:ext cx="0" cy="0"/>
+          <a:chOff x="0" y="0"/>
+          <a:chExt cx="0" cy="0"/>
+        </a:xfrm>
+      </p:grpSpPr>
+      <p:sp>
+        <p:nvSpPr>
+          <p:cNvPr id="2" name="Title 1">
+            <a:extLst>
+              <a:ext uri="{FF2B5EF4-FFF2-40B4-BE49-F238E27FC236}">
+                <a16:creationId xmlns:a16="http://schemas.microsoft.com/office/drawing/2014/main" id="{89F564B6-5191-9E0E-E58E-00AAAA5EE049}"/>
+              </a:ext>
+            </a:extLst>
+          </p:cNvPr>
+          <p:cNvSpPr>
+            <a:spLocks noGrp="1"/>
+          </p:cNvSpPr>
+          <p:nvPr>
+            <p:ph type="title"/>
+          </p:nvPr>
+        </p:nvSpPr>
+        <p:spPr/>
+        <p:txBody>
+          <a:bodyPr/>
+          <a:lstStyle/>
+          <a:p>
+            <a:pPr algn="ctr"/>
+            <a:r>
+              <a:rPr lang="en-VN" dirty="0"/>
+              <a:t>Reference:</a:t>
+            </a:r>
+            <a:br>
+              <a:rPr lang="en-VN" dirty="0"/>
+            </a:br>
+            <a:endParaRPr lang="en-VN" dirty="0"/>
+          </a:p>
+        </p:txBody>
+      </p:sp>
+      <p:sp>
+        <p:nvSpPr>
+          <p:cNvPr id="3" name="Content Placeholder 2">
+            <a:extLst>
+              <a:ext uri="{FF2B5EF4-FFF2-40B4-BE49-F238E27FC236}">
+                <a16:creationId xmlns:a16="http://schemas.microsoft.com/office/drawing/2014/main" id="{4D0F4771-03D8-1CF2-37F2-32731072AE6A}"/>
+              </a:ext>
+            </a:extLst>
+          </p:cNvPr>
+          <p:cNvSpPr>
+            <a:spLocks noGrp="1"/>
+          </p:cNvSpPr>
+          <p:nvPr>
+            <p:ph idx="1"/>
+          </p:nvPr>
+        </p:nvSpPr>
+        <p:spPr/>
+        <p:txBody>
+          <a:bodyPr/>
+          <a:lstStyle/>
+          <a:p>
+            <a:r>
+              <a:rPr lang="en-US" dirty="0">
+                <a:hlinkClick r:id="rId2"/>
+              </a:rPr>
+              <a:t>https://threejs.org/</a:t>
+            </a:r>
+            <a:endParaRPr lang="en-US" dirty="0"/>
+          </a:p>
+          <a:p>
+            <a:r>
+              <a:rPr lang="en-US" dirty="0">
+                <a:hlinkClick r:id="rId3"/>
+              </a:rPr>
+              <a:t>https://github.com/OlegGodizov/Snake3D</a:t>
+            </a:r>
+            <a:endParaRPr lang="en-US" dirty="0"/>
+          </a:p>
+          <a:p>
+            <a:endParaRPr lang="en-VN" dirty="0"/>
+          </a:p>
+        </p:txBody>
+      </p:sp>
+    </p:spTree>
+    <p:extLst>
+      <p:ext uri="{BB962C8B-B14F-4D97-AF65-F5344CB8AC3E}">
+        <p14:creationId xmlns:p14="http://schemas.microsoft.com/office/powerpoint/2010/main" val="819657265"/>
       </p:ext>
     </p:extLst>
   </p:cSld>

--- a/Presentation.pptx
+++ b/Presentation.pptx
@@ -11,9 +11,10 @@
     <p:sldId id="259" r:id="rId5"/>
     <p:sldId id="260" r:id="rId6"/>
     <p:sldId id="261" r:id="rId7"/>
-    <p:sldId id="262" r:id="rId8"/>
-    <p:sldId id="263" r:id="rId9"/>
-    <p:sldId id="264" r:id="rId10"/>
+    <p:sldId id="265" r:id="rId8"/>
+    <p:sldId id="262" r:id="rId9"/>
+    <p:sldId id="263" r:id="rId10"/>
+    <p:sldId id="264" r:id="rId11"/>
   </p:sldIdLst>
   <p:sldSz cx="12192000" cy="6858000"/>
   <p:notesSz cx="6858000" cy="9144000"/>
@@ -114,7 +115,7 @@
   </p:defaultTextStyle>
   <p:extLst>
     <p:ext uri="{EFAFB233-063F-42B5-8137-9DF3F51BA10A}">
-      <p15:sldGuideLst xmlns:p15="http://schemas.microsoft.com/office/powerpoint/2012/main"/>
+      <p15:sldGuideLst xmlns:p15="http://schemas.microsoft.com/office/powerpoint/2012/main" xmlns=""/>
     </p:ext>
   </p:extLst>
 </p:presentation>
@@ -306,7 +307,7 @@
           <a:p>
             <a:fld id="{959FB584-3C65-45A7-AA0B-2884D2796DAA}" type="datetimeFigureOut">
               <a:rPr lang="en-US" smtClean="0"/>
-              <a:t>3/30/23</a:t>
+              <a:t>3/31/2023</a:t>
             </a:fld>
             <a:endParaRPr lang="en-US"/>
           </a:p>
@@ -581,7 +582,7 @@
           <a:p>
             <a:fld id="{959FB584-3C65-45A7-AA0B-2884D2796DAA}" type="datetimeFigureOut">
               <a:rPr lang="en-US" smtClean="0"/>
-              <a:t>3/30/23</a:t>
+              <a:t>3/31/2023</a:t>
             </a:fld>
             <a:endParaRPr lang="en-US"/>
           </a:p>
@@ -775,7 +776,7 @@
           <a:p>
             <a:fld id="{959FB584-3C65-45A7-AA0B-2884D2796DAA}" type="datetimeFigureOut">
               <a:rPr lang="en-US" smtClean="0"/>
-              <a:t>3/30/23</a:t>
+              <a:t>3/31/2023</a:t>
             </a:fld>
             <a:endParaRPr lang="en-US"/>
           </a:p>
@@ -1048,7 +1049,7 @@
           <a:p>
             <a:fld id="{959FB584-3C65-45A7-AA0B-2884D2796DAA}" type="datetimeFigureOut">
               <a:rPr lang="en-US" smtClean="0"/>
-              <a:t>3/30/23</a:t>
+              <a:t>3/31/2023</a:t>
             </a:fld>
             <a:endParaRPr lang="en-US"/>
           </a:p>
@@ -1389,7 +1390,7 @@
           <a:p>
             <a:fld id="{959FB584-3C65-45A7-AA0B-2884D2796DAA}" type="datetimeFigureOut">
               <a:rPr lang="en-US" smtClean="0"/>
-              <a:t>3/30/23</a:t>
+              <a:t>3/31/2023</a:t>
             </a:fld>
             <a:endParaRPr lang="en-US"/>
           </a:p>
@@ -2012,7 +2013,7 @@
           <a:p>
             <a:fld id="{959FB584-3C65-45A7-AA0B-2884D2796DAA}" type="datetimeFigureOut">
               <a:rPr lang="en-US" smtClean="0"/>
-              <a:t>3/30/23</a:t>
+              <a:t>3/31/2023</a:t>
             </a:fld>
             <a:endParaRPr lang="en-US"/>
           </a:p>
@@ -2872,7 +2873,7 @@
           <a:p>
             <a:fld id="{959FB584-3C65-45A7-AA0B-2884D2796DAA}" type="datetimeFigureOut">
               <a:rPr lang="en-US" smtClean="0"/>
-              <a:t>3/30/23</a:t>
+              <a:t>3/31/2023</a:t>
             </a:fld>
             <a:endParaRPr lang="en-US"/>
           </a:p>
@@ -3042,7 +3043,7 @@
           <a:p>
             <a:fld id="{959FB584-3C65-45A7-AA0B-2884D2796DAA}" type="datetimeFigureOut">
               <a:rPr lang="en-US" smtClean="0"/>
-              <a:t>3/30/23</a:t>
+              <a:t>3/31/2023</a:t>
             </a:fld>
             <a:endParaRPr lang="en-US"/>
           </a:p>
@@ -3222,7 +3223,7 @@
           <a:p>
             <a:fld id="{959FB584-3C65-45A7-AA0B-2884D2796DAA}" type="datetimeFigureOut">
               <a:rPr lang="en-US" smtClean="0"/>
-              <a:t>3/30/23</a:t>
+              <a:t>3/31/2023</a:t>
             </a:fld>
             <a:endParaRPr lang="en-US"/>
           </a:p>
@@ -3392,7 +3393,7 @@
           <a:p>
             <a:fld id="{959FB584-3C65-45A7-AA0B-2884D2796DAA}" type="datetimeFigureOut">
               <a:rPr lang="en-US" smtClean="0"/>
-              <a:t>3/30/23</a:t>
+              <a:t>3/31/2023</a:t>
             </a:fld>
             <a:endParaRPr lang="en-US"/>
           </a:p>
@@ -3639,7 +3640,7 @@
           <a:p>
             <a:fld id="{959FB584-3C65-45A7-AA0B-2884D2796DAA}" type="datetimeFigureOut">
               <a:rPr lang="en-US" smtClean="0"/>
-              <a:t>3/30/23</a:t>
+              <a:t>3/31/2023</a:t>
             </a:fld>
             <a:endParaRPr lang="en-US"/>
           </a:p>
@@ -3931,7 +3932,7 @@
           <a:p>
             <a:fld id="{959FB584-3C65-45A7-AA0B-2884D2796DAA}" type="datetimeFigureOut">
               <a:rPr lang="en-US" smtClean="0"/>
-              <a:t>3/30/23</a:t>
+              <a:t>3/31/2023</a:t>
             </a:fld>
             <a:endParaRPr lang="en-US"/>
           </a:p>
@@ -4375,7 +4376,7 @@
           <a:p>
             <a:fld id="{959FB584-3C65-45A7-AA0B-2884D2796DAA}" type="datetimeFigureOut">
               <a:rPr lang="en-US" smtClean="0"/>
-              <a:t>3/30/23</a:t>
+              <a:t>3/31/2023</a:t>
             </a:fld>
             <a:endParaRPr lang="en-US"/>
           </a:p>
@@ -4493,7 +4494,7 @@
           <a:p>
             <a:fld id="{959FB584-3C65-45A7-AA0B-2884D2796DAA}" type="datetimeFigureOut">
               <a:rPr lang="en-US" smtClean="0"/>
-              <a:t>3/30/23</a:t>
+              <a:t>3/31/2023</a:t>
             </a:fld>
             <a:endParaRPr lang="en-US"/>
           </a:p>
@@ -4588,7 +4589,7 @@
           <a:p>
             <a:fld id="{959FB584-3C65-45A7-AA0B-2884D2796DAA}" type="datetimeFigureOut">
               <a:rPr lang="en-US" smtClean="0"/>
-              <a:t>3/30/23</a:t>
+              <a:t>3/31/2023</a:t>
             </a:fld>
             <a:endParaRPr lang="en-US"/>
           </a:p>
@@ -4867,7 +4868,7 @@
           <a:p>
             <a:fld id="{959FB584-3C65-45A7-AA0B-2884D2796DAA}" type="datetimeFigureOut">
               <a:rPr lang="en-US" smtClean="0"/>
-              <a:t>3/30/23</a:t>
+              <a:t>3/31/2023</a:t>
             </a:fld>
             <a:endParaRPr lang="en-US"/>
           </a:p>
@@ -5142,7 +5143,7 @@
           <a:p>
             <a:fld id="{959FB584-3C65-45A7-AA0B-2884D2796DAA}" type="datetimeFigureOut">
               <a:rPr lang="en-US" smtClean="0"/>
-              <a:t>3/30/23</a:t>
+              <a:t>3/31/2023</a:t>
             </a:fld>
             <a:endParaRPr lang="en-US"/>
           </a:p>
@@ -5571,7 +5572,7 @@
           <a:p>
             <a:fld id="{959FB584-3C65-45A7-AA0B-2884D2796DAA}" type="datetimeFigureOut">
               <a:rPr lang="en-US" smtClean="0"/>
-              <a:t>3/30/23</a:t>
+              <a:t>3/31/2023</a:t>
             </a:fld>
             <a:endParaRPr lang="en-US"/>
           </a:p>
@@ -6640,7 +6641,7 @@
           <p:cNvPr id="1026" name="Picture 2" descr="Snake Cube Game">
             <a:extLst>
               <a:ext uri="{FF2B5EF4-FFF2-40B4-BE49-F238E27FC236}">
-                <a16:creationId xmlns:a16="http://schemas.microsoft.com/office/drawing/2014/main" id="{2C946825-FB9A-8BD5-CB05-D76B482C63BD}"/>
+                <a16:creationId xmlns:a16="http://schemas.microsoft.com/office/drawing/2014/main" xmlns="" id="{2C946825-FB9A-8BD5-CB05-D76B482C63BD}"/>
               </a:ext>
             </a:extLst>
           </p:cNvPr>
@@ -6650,7 +6651,7 @@
           <p:nvPr/>
         </p:nvPicPr>
         <p:blipFill>
-          <a:blip r:embed="rId2">
+          <a:blip r:embed="rId2" cstate="print">
             <a:extLst>
               <a:ext uri="{28A0092B-C50C-407E-A947-70E740481C1C}">
                 <a14:useLocalDpi xmlns:a14="http://schemas.microsoft.com/office/drawing/2010/main" val="0"/>
@@ -6686,6 +6687,112 @@
     <p:extLst>
       <p:ext uri="{BB962C8B-B14F-4D97-AF65-F5344CB8AC3E}">
         <p14:creationId xmlns:p14="http://schemas.microsoft.com/office/powerpoint/2010/main" val="2919166066"/>
+      </p:ext>
+    </p:extLst>
+  </p:cSld>
+  <p:clrMapOvr>
+    <a:masterClrMapping/>
+  </p:clrMapOvr>
+</p:sld>
+</file>
+
+<file path=ppt/slides/slide10.xml><?xml version="1.0" encoding="utf-8"?>
+<p:sld xmlns:a="http://schemas.openxmlformats.org/drawingml/2006/main" xmlns:r="http://schemas.openxmlformats.org/officeDocument/2006/relationships" xmlns:p="http://schemas.openxmlformats.org/presentationml/2006/main">
+  <p:cSld>
+    <p:spTree>
+      <p:nvGrpSpPr>
+        <p:cNvPr id="1" name=""/>
+        <p:cNvGrpSpPr/>
+        <p:nvPr/>
+      </p:nvGrpSpPr>
+      <p:grpSpPr>
+        <a:xfrm>
+          <a:off x="0" y="0"/>
+          <a:ext cx="0" cy="0"/>
+          <a:chOff x="0" y="0"/>
+          <a:chExt cx="0" cy="0"/>
+        </a:xfrm>
+      </p:grpSpPr>
+      <p:sp>
+        <p:nvSpPr>
+          <p:cNvPr id="2" name="Title 1">
+            <a:extLst>
+              <a:ext uri="{FF2B5EF4-FFF2-40B4-BE49-F238E27FC236}">
+                <a16:creationId xmlns:a16="http://schemas.microsoft.com/office/drawing/2014/main" xmlns="" id="{89F564B6-5191-9E0E-E58E-00AAAA5EE049}"/>
+              </a:ext>
+            </a:extLst>
+          </p:cNvPr>
+          <p:cNvSpPr>
+            <a:spLocks noGrp="1"/>
+          </p:cNvSpPr>
+          <p:nvPr>
+            <p:ph type="title"/>
+          </p:nvPr>
+        </p:nvSpPr>
+        <p:spPr/>
+        <p:txBody>
+          <a:bodyPr/>
+          <a:lstStyle/>
+          <a:p>
+            <a:pPr algn="ctr"/>
+            <a:r>
+              <a:rPr lang="x-none" dirty="0"/>
+              <a:t>Reference:</a:t>
+            </a:r>
+            <a:br>
+              <a:rPr lang="x-none" dirty="0"/>
+            </a:br>
+            <a:endParaRPr lang="x-none" dirty="0"/>
+          </a:p>
+        </p:txBody>
+      </p:sp>
+      <p:sp>
+        <p:nvSpPr>
+          <p:cNvPr id="3" name="Content Placeholder 2">
+            <a:extLst>
+              <a:ext uri="{FF2B5EF4-FFF2-40B4-BE49-F238E27FC236}">
+                <a16:creationId xmlns:a16="http://schemas.microsoft.com/office/drawing/2014/main" xmlns="" id="{4D0F4771-03D8-1CF2-37F2-32731072AE6A}"/>
+              </a:ext>
+            </a:extLst>
+          </p:cNvPr>
+          <p:cNvSpPr>
+            <a:spLocks noGrp="1"/>
+          </p:cNvSpPr>
+          <p:nvPr>
+            <p:ph idx="1"/>
+          </p:nvPr>
+        </p:nvSpPr>
+        <p:spPr/>
+        <p:txBody>
+          <a:bodyPr/>
+          <a:lstStyle/>
+          <a:p>
+            <a:r>
+              <a:rPr lang="en-US" dirty="0">
+                <a:hlinkClick r:id="rId2"/>
+              </a:rPr>
+              <a:t>https://threejs.org/</a:t>
+            </a:r>
+            <a:endParaRPr lang="en-US" dirty="0"/>
+          </a:p>
+          <a:p>
+            <a:r>
+              <a:rPr lang="en-US" dirty="0">
+                <a:hlinkClick r:id="rId3"/>
+              </a:rPr>
+              <a:t>https://github.com/OlegGodizov/Snake3D</a:t>
+            </a:r>
+            <a:endParaRPr lang="en-US" dirty="0"/>
+          </a:p>
+          <a:p>
+            <a:endParaRPr lang="x-none" dirty="0"/>
+          </a:p>
+        </p:txBody>
+      </p:sp>
+    </p:spTree>
+    <p:extLst>
+      <p:ext uri="{BB962C8B-B14F-4D97-AF65-F5344CB8AC3E}">
+        <p14:creationId xmlns:p14="http://schemas.microsoft.com/office/powerpoint/2010/main" val="819657265"/>
       </p:ext>
     </p:extLst>
   </p:cSld>
@@ -6961,7 +7068,7 @@
           <p:cNvPr id="7" name="Picture 6">
             <a:extLst>
               <a:ext uri="{FF2B5EF4-FFF2-40B4-BE49-F238E27FC236}">
-                <a16:creationId xmlns:a16="http://schemas.microsoft.com/office/drawing/2014/main" id="{99A247FC-19D2-E0EC-95A6-7CCFD9518278}"/>
+                <a16:creationId xmlns:a16="http://schemas.microsoft.com/office/drawing/2014/main" xmlns="" id="{99A247FC-19D2-E0EC-95A6-7CCFD9518278}"/>
               </a:ext>
             </a:extLst>
           </p:cNvPr>
@@ -7286,9 +7393,17 @@
             <a:pPr marL="0" indent="0">
               <a:buNone/>
             </a:pPr>
+            <a:r>
+              <a:rPr lang="en-US" dirty="0"/>
+              <a:t/>
+            </a:r>
             <a:br>
               <a:rPr lang="en-US" dirty="0"/>
             </a:br>
+            <a:r>
+              <a:rPr lang="en-US" dirty="0"/>
+              <a:t/>
+            </a:r>
             <a:br>
               <a:rPr lang="en-US" dirty="0"/>
             </a:br>
@@ -7458,6 +7573,10 @@
             <a:pPr marL="0" indent="0">
               <a:buNone/>
             </a:pPr>
+            <a:r>
+              <a:rPr lang="en-US" dirty="0"/>
+              <a:t/>
+            </a:r>
             <a:br>
               <a:rPr lang="en-US" dirty="0"/>
             </a:br>
@@ -7470,7 +7589,7 @@
           <p:cNvPr id="2050" name="Picture 2" descr="3d Snake Games">
             <a:extLst>
               <a:ext uri="{FF2B5EF4-FFF2-40B4-BE49-F238E27FC236}">
-                <a16:creationId xmlns:a16="http://schemas.microsoft.com/office/drawing/2014/main" id="{60E61BC1-3A5E-5C7D-6052-4B002914BD8B}"/>
+                <a16:creationId xmlns:a16="http://schemas.microsoft.com/office/drawing/2014/main" xmlns="" id="{60E61BC1-3A5E-5C7D-6052-4B002914BD8B}"/>
               </a:ext>
             </a:extLst>
           </p:cNvPr>
@@ -7526,6 +7645,140 @@
 </file>
 
 <file path=ppt/slides/slide7.xml><?xml version="1.0" encoding="utf-8"?>
+<p:sld xmlns:a="http://schemas.openxmlformats.org/drawingml/2006/main" xmlns:r="http://schemas.openxmlformats.org/officeDocument/2006/relationships" xmlns:p="http://schemas.openxmlformats.org/presentationml/2006/main">
+  <p:cSld>
+    <p:spTree>
+      <p:nvGrpSpPr>
+        <p:cNvPr id="1" name=""/>
+        <p:cNvGrpSpPr/>
+        <p:nvPr/>
+      </p:nvGrpSpPr>
+      <p:grpSpPr>
+        <a:xfrm>
+          <a:off x="0" y="0"/>
+          <a:ext cx="0" cy="0"/>
+          <a:chOff x="0" y="0"/>
+          <a:chExt cx="0" cy="0"/>
+        </a:xfrm>
+      </p:grpSpPr>
+      <p:sp>
+        <p:nvSpPr>
+          <p:cNvPr id="2" name="Title 1"/>
+          <p:cNvSpPr>
+            <a:spLocks noGrp="1"/>
+          </p:cNvSpPr>
+          <p:nvPr>
+            <p:ph type="title"/>
+          </p:nvPr>
+        </p:nvSpPr>
+        <p:spPr>
+          <a:xfrm>
+            <a:off x="646111" y="452718"/>
+            <a:ext cx="9404723" cy="780859"/>
+          </a:xfrm>
+        </p:spPr>
+        <p:txBody>
+          <a:bodyPr/>
+          <a:lstStyle/>
+          <a:p>
+            <a:pPr algn="ctr"/>
+            <a:r>
+              <a:rPr lang="en-US" dirty="0" smtClean="0"/>
+              <a:t>Lightning Effects</a:t>
+            </a:r>
+            <a:endParaRPr lang="en-US" dirty="0"/>
+          </a:p>
+        </p:txBody>
+      </p:sp>
+      <p:sp>
+        <p:nvSpPr>
+          <p:cNvPr id="3" name="Content Placeholder 2"/>
+          <p:cNvSpPr>
+            <a:spLocks noGrp="1"/>
+          </p:cNvSpPr>
+          <p:nvPr>
+            <p:ph idx="1"/>
+          </p:nvPr>
+        </p:nvSpPr>
+        <p:spPr>
+          <a:xfrm>
+            <a:off x="1180952" y="1664729"/>
+            <a:ext cx="7704258" cy="4195481"/>
+          </a:xfrm>
+        </p:spPr>
+        <p:txBody>
+          <a:bodyPr/>
+          <a:lstStyle/>
+          <a:p>
+            <a:r>
+              <a:rPr lang="en-US" dirty="0" smtClean="0"/>
+              <a:t>We use four different types of light and add to the scene:</a:t>
+            </a:r>
+          </a:p>
+          <a:p>
+            <a:endParaRPr lang="en-US" dirty="0" smtClean="0"/>
+          </a:p>
+          <a:p>
+            <a:r>
+              <a:rPr lang="en-US" dirty="0" smtClean="0"/>
+              <a:t>Ambient Light</a:t>
+            </a:r>
+          </a:p>
+          <a:p>
+            <a:endParaRPr lang="en-US" dirty="0"/>
+          </a:p>
+          <a:p>
+            <a:r>
+              <a:rPr lang="en-US" dirty="0" smtClean="0"/>
+              <a:t>Point Light</a:t>
+            </a:r>
+          </a:p>
+          <a:p>
+            <a:endParaRPr lang="en-US" dirty="0" smtClean="0"/>
+          </a:p>
+          <a:p>
+            <a:r>
+              <a:rPr lang="en-US" dirty="0" smtClean="0"/>
+              <a:t>Directional Light</a:t>
+            </a:r>
+          </a:p>
+          <a:p>
+            <a:endParaRPr lang="en-US" dirty="0" smtClean="0"/>
+          </a:p>
+          <a:p>
+            <a:r>
+              <a:rPr lang="en-US" dirty="0" smtClean="0"/>
+              <a:t>Spot Light</a:t>
+            </a:r>
+          </a:p>
+          <a:p>
+            <a:pPr marL="0" indent="0">
+              <a:buNone/>
+            </a:pPr>
+            <a:endParaRPr lang="en-US" dirty="0" smtClean="0"/>
+          </a:p>
+          <a:p>
+            <a:endParaRPr lang="en-US" dirty="0"/>
+          </a:p>
+          <a:p>
+            <a:endParaRPr lang="en-US" dirty="0"/>
+          </a:p>
+        </p:txBody>
+      </p:sp>
+    </p:spTree>
+    <p:extLst>
+      <p:ext uri="{BB962C8B-B14F-4D97-AF65-F5344CB8AC3E}">
+        <p14:creationId xmlns:p14="http://schemas.microsoft.com/office/powerpoint/2010/main" val="331975059"/>
+      </p:ext>
+    </p:extLst>
+  </p:cSld>
+  <p:clrMapOvr>
+    <a:masterClrMapping/>
+  </p:clrMapOvr>
+</p:sld>
+</file>
+
+<file path=ppt/slides/slide8.xml><?xml version="1.0" encoding="utf-8"?>
 <p:sld xmlns:a="http://schemas.openxmlformats.org/drawingml/2006/main" xmlns:r="http://schemas.openxmlformats.org/officeDocument/2006/relationships" xmlns:p="http://schemas.openxmlformats.org/presentationml/2006/main">
   <p:cSld>
     <p:spTree>
@@ -7776,7 +8029,7 @@
 </p:sld>
 </file>
 
-<file path=ppt/slides/slide8.xml><?xml version="1.0" encoding="utf-8"?>
+<file path=ppt/slides/slide9.xml><?xml version="1.0" encoding="utf-8"?>
 <p:sld xmlns:a="http://schemas.openxmlformats.org/drawingml/2006/main" xmlns:r="http://schemas.openxmlformats.org/officeDocument/2006/relationships" xmlns:p="http://schemas.openxmlformats.org/presentationml/2006/main">
   <p:cSld>
     <p:spTree>
@@ -7826,7 +8079,7 @@
           <p:cNvPr id="3074" name="Picture 2" descr="Snake 3D – A Beginner’s Guide">
             <a:extLst>
               <a:ext uri="{FF2B5EF4-FFF2-40B4-BE49-F238E27FC236}">
-                <a16:creationId xmlns:a16="http://schemas.microsoft.com/office/drawing/2014/main" id="{22652929-1B51-1F21-DC8D-03688735D958}"/>
+                <a16:creationId xmlns:a16="http://schemas.microsoft.com/office/drawing/2014/main" xmlns="" id="{22652929-1B51-1F21-DC8D-03688735D958}"/>
               </a:ext>
             </a:extLst>
           </p:cNvPr>
@@ -7872,112 +8125,6 @@
     <p:extLst>
       <p:ext uri="{BB962C8B-B14F-4D97-AF65-F5344CB8AC3E}">
         <p14:creationId xmlns:p14="http://schemas.microsoft.com/office/powerpoint/2010/main" val="3006104513"/>
-      </p:ext>
-    </p:extLst>
-  </p:cSld>
-  <p:clrMapOvr>
-    <a:masterClrMapping/>
-  </p:clrMapOvr>
-</p:sld>
-</file>
-
-<file path=ppt/slides/slide9.xml><?xml version="1.0" encoding="utf-8"?>
-<p:sld xmlns:a="http://schemas.openxmlformats.org/drawingml/2006/main" xmlns:r="http://schemas.openxmlformats.org/officeDocument/2006/relationships" xmlns:p="http://schemas.openxmlformats.org/presentationml/2006/main">
-  <p:cSld>
-    <p:spTree>
-      <p:nvGrpSpPr>
-        <p:cNvPr id="1" name=""/>
-        <p:cNvGrpSpPr/>
-        <p:nvPr/>
-      </p:nvGrpSpPr>
-      <p:grpSpPr>
-        <a:xfrm>
-          <a:off x="0" y="0"/>
-          <a:ext cx="0" cy="0"/>
-          <a:chOff x="0" y="0"/>
-          <a:chExt cx="0" cy="0"/>
-        </a:xfrm>
-      </p:grpSpPr>
-      <p:sp>
-        <p:nvSpPr>
-          <p:cNvPr id="2" name="Title 1">
-            <a:extLst>
-              <a:ext uri="{FF2B5EF4-FFF2-40B4-BE49-F238E27FC236}">
-                <a16:creationId xmlns:a16="http://schemas.microsoft.com/office/drawing/2014/main" id="{89F564B6-5191-9E0E-E58E-00AAAA5EE049}"/>
-              </a:ext>
-            </a:extLst>
-          </p:cNvPr>
-          <p:cNvSpPr>
-            <a:spLocks noGrp="1"/>
-          </p:cNvSpPr>
-          <p:nvPr>
-            <p:ph type="title"/>
-          </p:nvPr>
-        </p:nvSpPr>
-        <p:spPr/>
-        <p:txBody>
-          <a:bodyPr/>
-          <a:lstStyle/>
-          <a:p>
-            <a:pPr algn="ctr"/>
-            <a:r>
-              <a:rPr lang="en-VN" dirty="0"/>
-              <a:t>Reference:</a:t>
-            </a:r>
-            <a:br>
-              <a:rPr lang="en-VN" dirty="0"/>
-            </a:br>
-            <a:endParaRPr lang="en-VN" dirty="0"/>
-          </a:p>
-        </p:txBody>
-      </p:sp>
-      <p:sp>
-        <p:nvSpPr>
-          <p:cNvPr id="3" name="Content Placeholder 2">
-            <a:extLst>
-              <a:ext uri="{FF2B5EF4-FFF2-40B4-BE49-F238E27FC236}">
-                <a16:creationId xmlns:a16="http://schemas.microsoft.com/office/drawing/2014/main" id="{4D0F4771-03D8-1CF2-37F2-32731072AE6A}"/>
-              </a:ext>
-            </a:extLst>
-          </p:cNvPr>
-          <p:cNvSpPr>
-            <a:spLocks noGrp="1"/>
-          </p:cNvSpPr>
-          <p:nvPr>
-            <p:ph idx="1"/>
-          </p:nvPr>
-        </p:nvSpPr>
-        <p:spPr/>
-        <p:txBody>
-          <a:bodyPr/>
-          <a:lstStyle/>
-          <a:p>
-            <a:r>
-              <a:rPr lang="en-US" dirty="0">
-                <a:hlinkClick r:id="rId2"/>
-              </a:rPr>
-              <a:t>https://threejs.org/</a:t>
-            </a:r>
-            <a:endParaRPr lang="en-US" dirty="0"/>
-          </a:p>
-          <a:p>
-            <a:r>
-              <a:rPr lang="en-US" dirty="0">
-                <a:hlinkClick r:id="rId3"/>
-              </a:rPr>
-              <a:t>https://github.com/OlegGodizov/Snake3D</a:t>
-            </a:r>
-            <a:endParaRPr lang="en-US" dirty="0"/>
-          </a:p>
-          <a:p>
-            <a:endParaRPr lang="en-VN" dirty="0"/>
-          </a:p>
-        </p:txBody>
-      </p:sp>
-    </p:spTree>
-    <p:extLst>
-      <p:ext uri="{BB962C8B-B14F-4D97-AF65-F5344CB8AC3E}">
-        <p14:creationId xmlns:p14="http://schemas.microsoft.com/office/powerpoint/2010/main" val="819657265"/>
       </p:ext>
     </p:extLst>
   </p:cSld>
@@ -8030,7 +8177,7 @@
     </a:clrScheme>
     <a:fontScheme name="Ion">
       <a:majorFont>
-        <a:latin typeface="Century Gothic" panose="020B0502020202020204"/>
+        <a:latin typeface="Century Gothic"/>
         <a:ea typeface=""/>
         <a:cs typeface=""/>
         <a:font script="Jpan" typeface="メイリオ"/>
@@ -8065,7 +8212,7 @@
         <a:font script="Geor" typeface="Sylfaen"/>
       </a:majorFont>
       <a:minorFont>
-        <a:latin typeface="Century Gothic" panose="020B0502020202020204"/>
+        <a:latin typeface="Century Gothic"/>
         <a:ea typeface=""/>
         <a:cs typeface=""/>
         <a:font script="Jpan" typeface="メイリオ"/>
@@ -8247,7 +8394,7 @@
   <a:extraClrSchemeLst/>
   <a:extLst>
     <a:ext uri="{05A4C25C-085E-4340-85A3-A5531E510DB2}">
-      <thm15:themeFamily xmlns:thm15="http://schemas.microsoft.com/office/thememl/2012/main" name="Ion" id="{B8441ADB-2E43-4AF7-B97A-BD870242C6A8}" vid="{292E63A9-BB86-4E3D-B92A-7223C6510D2E}"/>
+      <thm15:themeFamily xmlns:thm15="http://schemas.microsoft.com/office/thememl/2012/main" xmlns="" name="Ion" id="{B8441ADB-2E43-4AF7-B97A-BD870242C6A8}" vid="{292E63A9-BB86-4E3D-B92A-7223C6510D2E}"/>
     </a:ext>
   </a:extLst>
 </a:theme>
